--- a/Zomato_Delivery_Analysis_Final.pptx
+++ b/Zomato_Delivery_Analysis_Final.pptx
@@ -17,11 +17,11 @@
     <p:sldId id="290" r:id="rId11"/>
     <p:sldId id="291" r:id="rId12"/>
     <p:sldId id="292" r:id="rId13"/>
-    <p:sldId id="293" r:id="rId14"/>
-    <p:sldId id="294" r:id="rId15"/>
-    <p:sldId id="297" r:id="rId16"/>
-    <p:sldId id="298" r:id="rId17"/>
-    <p:sldId id="299" r:id="rId18"/>
+    <p:sldId id="294" r:id="rId14"/>
+    <p:sldId id="293" r:id="rId15"/>
+    <p:sldId id="300" r:id="rId16"/>
+    <p:sldId id="297" r:id="rId17"/>
+    <p:sldId id="298" r:id="rId18"/>
     <p:sldId id="281" r:id="rId19"/>
     <p:sldId id="283" r:id="rId20"/>
   </p:sldIdLst>
@@ -16080,7 +16080,7 @@
         <p:spPr bwMode="auto">
           <a:xfrm>
             <a:off x="4748982" y="1724544"/>
-            <a:ext cx="4395018" cy="3987504"/>
+            <a:ext cx="4326192" cy="3987504"/>
           </a:xfrm>
           <a:prstGeom prst="rect">
             <a:avLst/>
@@ -17355,541 +17355,6 @@
         <p:cNvPr id="1" name="">
           <a:extLst>
             <a:ext uri="{FF2B5EF4-FFF2-40B4-BE49-F238E27FC236}">
-              <a16:creationId xmlns:a16="http://schemas.microsoft.com/office/drawing/2014/main" id="{EEE80E0A-5BC0-C427-23CD-85D3AAAD0AA2}"/>
-            </a:ext>
-          </a:extLst>
-        </p:cNvPr>
-        <p:cNvGrpSpPr/>
-        <p:nvPr/>
-      </p:nvGrpSpPr>
-      <p:grpSpPr>
-        <a:xfrm>
-          <a:off x="0" y="0"/>
-          <a:ext cx="0" cy="0"/>
-          <a:chOff x="0" y="0"/>
-          <a:chExt cx="0" cy="0"/>
-        </a:xfrm>
-      </p:grpSpPr>
-      <p:sp useBgFill="1">
-        <p:nvSpPr>
-          <p:cNvPr id="53" name="Rectangle 52">
-            <a:extLst>
-              <a:ext uri="{FF2B5EF4-FFF2-40B4-BE49-F238E27FC236}">
-                <a16:creationId xmlns:a16="http://schemas.microsoft.com/office/drawing/2014/main" id="{7886370C-9544-E064-7D36-8E303E403CAE}"/>
-              </a:ext>
-              <a:ext uri="{C183D7F6-B498-43B3-948B-1728B52AA6E4}">
-                <adec:decorative xmlns:adec="http://schemas.microsoft.com/office/drawing/2017/decorative" val="1"/>
-              </a:ext>
-            </a:extLst>
-          </p:cNvPr>
-          <p:cNvSpPr>
-            <a:spLocks noGrp="1" noRot="1" noChangeAspect="1" noMove="1" noResize="1" noEditPoints="1" noAdjustHandles="1" noChangeArrowheads="1" noChangeShapeType="1" noTextEdit="1"/>
-          </p:cNvSpPr>
-          <p:nvPr>
-            <p:extLst>
-              <p:ext uri="{386F3935-93C4-4BCD-93E2-E3B085C9AB24}">
-                <p16:designElem xmlns:p16="http://schemas.microsoft.com/office/powerpoint/2015/main" val="1"/>
-              </p:ext>
-            </p:extLst>
-          </p:nvPr>
-        </p:nvSpPr>
-        <p:spPr>
-          <a:xfrm>
-            <a:off x="0" y="0"/>
-            <a:ext cx="9144000" cy="6858000"/>
-          </a:xfrm>
-          <a:prstGeom prst="rect">
-            <a:avLst/>
-          </a:prstGeom>
-          <a:ln w="12700" cap="flat" cmpd="sng" algn="ctr">
-            <a:noFill/>
-            <a:prstDash val="solid"/>
-            <a:miter lim="800000"/>
-          </a:ln>
-          <a:effectLst/>
-          <a:extLst>
-            <a:ext uri="{91240B29-F687-4F45-9708-019B960494DF}">
-              <a14:hiddenLine xmlns:a14="http://schemas.microsoft.com/office/drawing/2010/main" w="12700" cap="flat" cmpd="sng" algn="ctr">
-                <a:solidFill>
-                  <a:schemeClr val="accent1">
-                    <a:shade val="50000"/>
-                  </a:schemeClr>
-                </a:solidFill>
-                <a:prstDash val="solid"/>
-                <a:miter lim="800000"/>
-              </a14:hiddenLine>
-            </a:ext>
-          </a:extLst>
-        </p:spPr>
-        <p:style>
-          <a:lnRef idx="2">
-            <a:schemeClr val="accent1">
-              <a:shade val="50000"/>
-            </a:schemeClr>
-          </a:lnRef>
-          <a:fillRef idx="1">
-            <a:schemeClr val="accent1"/>
-          </a:fillRef>
-          <a:effectRef idx="0">
-            <a:schemeClr val="accent1"/>
-          </a:effectRef>
-          <a:fontRef idx="minor">
-            <a:schemeClr val="lt1"/>
-          </a:fontRef>
-        </p:style>
-        <p:txBody>
-          <a:bodyPr rtlCol="0" anchor="ctr"/>
-          <a:lstStyle/>
-          <a:p>
-            <a:pPr algn="ctr"/>
-            <a:endParaRPr lang="en-US"/>
-          </a:p>
-        </p:txBody>
-      </p:sp>
-      <p:sp>
-        <p:nvSpPr>
-          <p:cNvPr id="55" name="Rectangle 54">
-            <a:extLst>
-              <a:ext uri="{FF2B5EF4-FFF2-40B4-BE49-F238E27FC236}">
-                <a16:creationId xmlns:a16="http://schemas.microsoft.com/office/drawing/2014/main" id="{C3657710-51B6-F079-5349-72D3673F2D8E}"/>
-              </a:ext>
-              <a:ext uri="{C183D7F6-B498-43B3-948B-1728B52AA6E4}">
-                <adec:decorative xmlns:adec="http://schemas.microsoft.com/office/drawing/2017/decorative" val="1"/>
-              </a:ext>
-            </a:extLst>
-          </p:cNvPr>
-          <p:cNvSpPr>
-            <a:spLocks noGrp="1" noRot="1" noChangeAspect="1" noMove="1" noResize="1" noEditPoints="1" noAdjustHandles="1" noChangeArrowheads="1" noChangeShapeType="1" noTextEdit="1"/>
-          </p:cNvSpPr>
-          <p:nvPr>
-            <p:extLst>
-              <p:ext uri="{386F3935-93C4-4BCD-93E2-E3B085C9AB24}">
-                <p16:designElem xmlns:p16="http://schemas.microsoft.com/office/powerpoint/2015/main" val="1"/>
-              </p:ext>
-            </p:extLst>
-          </p:nvPr>
-        </p:nvSpPr>
-        <p:spPr>
-          <a:xfrm flipH="1">
-            <a:off x="1" y="0"/>
-            <a:ext cx="9143999" cy="1575955"/>
-          </a:xfrm>
-          <a:prstGeom prst="rect">
-            <a:avLst/>
-          </a:prstGeom>
-          <a:gradFill>
-            <a:gsLst>
-              <a:gs pos="0">
-                <a:srgbClr val="000000">
-                  <a:alpha val="96000"/>
-                </a:srgbClr>
-              </a:gs>
-              <a:gs pos="100000">
-                <a:schemeClr val="accent1">
-                  <a:lumMod val="75000"/>
-                </a:schemeClr>
-              </a:gs>
-            </a:gsLst>
-            <a:lin ang="8400000" scaled="0"/>
-          </a:gradFill>
-          <a:ln>
-            <a:noFill/>
-          </a:ln>
-        </p:spPr>
-        <p:style>
-          <a:lnRef idx="2">
-            <a:schemeClr val="accent1">
-              <a:shade val="50000"/>
-            </a:schemeClr>
-          </a:lnRef>
-          <a:fillRef idx="1">
-            <a:schemeClr val="accent1"/>
-          </a:fillRef>
-          <a:effectRef idx="0">
-            <a:schemeClr val="accent1"/>
-          </a:effectRef>
-          <a:fontRef idx="minor">
-            <a:schemeClr val="lt1"/>
-          </a:fontRef>
-        </p:style>
-        <p:txBody>
-          <a:bodyPr rtlCol="0" anchor="ctr"/>
-          <a:lstStyle/>
-          <a:p>
-            <a:pPr algn="ctr"/>
-            <a:endParaRPr lang="en-US"/>
-          </a:p>
-        </p:txBody>
-      </p:sp>
-      <p:sp>
-        <p:nvSpPr>
-          <p:cNvPr id="57" name="Rectangle 56">
-            <a:extLst>
-              <a:ext uri="{FF2B5EF4-FFF2-40B4-BE49-F238E27FC236}">
-                <a16:creationId xmlns:a16="http://schemas.microsoft.com/office/drawing/2014/main" id="{F203B934-041E-75CE-0DF3-7D61FF2236B3}"/>
-              </a:ext>
-              <a:ext uri="{C183D7F6-B498-43B3-948B-1728B52AA6E4}">
-                <adec:decorative xmlns:adec="http://schemas.microsoft.com/office/drawing/2017/decorative" val="1"/>
-              </a:ext>
-            </a:extLst>
-          </p:cNvPr>
-          <p:cNvSpPr>
-            <a:spLocks noGrp="1" noRot="1" noChangeAspect="1" noMove="1" noResize="1" noEditPoints="1" noAdjustHandles="1" noChangeArrowheads="1" noChangeShapeType="1" noTextEdit="1"/>
-          </p:cNvSpPr>
-          <p:nvPr>
-            <p:extLst>
-              <p:ext uri="{386F3935-93C4-4BCD-93E2-E3B085C9AB24}">
-                <p16:designElem xmlns:p16="http://schemas.microsoft.com/office/powerpoint/2015/main" val="1"/>
-              </p:ext>
-            </p:extLst>
-          </p:nvPr>
-        </p:nvSpPr>
-        <p:spPr>
-          <a:xfrm rot="10800000" flipH="1">
-            <a:off x="6096642" y="0"/>
-            <a:ext cx="3047358" cy="1576412"/>
-          </a:xfrm>
-          <a:prstGeom prst="rect">
-            <a:avLst/>
-          </a:prstGeom>
-          <a:gradFill>
-            <a:gsLst>
-              <a:gs pos="19000">
-                <a:schemeClr val="accent1">
-                  <a:lumMod val="50000"/>
-                  <a:alpha val="68000"/>
-                </a:schemeClr>
-              </a:gs>
-              <a:gs pos="100000">
-                <a:schemeClr val="accent1">
-                  <a:alpha val="79000"/>
-                </a:schemeClr>
-              </a:gs>
-            </a:gsLst>
-            <a:lin ang="19200000" scaled="0"/>
-          </a:gradFill>
-          <a:ln>
-            <a:noFill/>
-          </a:ln>
-        </p:spPr>
-        <p:style>
-          <a:lnRef idx="2">
-            <a:schemeClr val="accent1">
-              <a:shade val="50000"/>
-            </a:schemeClr>
-          </a:lnRef>
-          <a:fillRef idx="1">
-            <a:schemeClr val="accent1"/>
-          </a:fillRef>
-          <a:effectRef idx="0">
-            <a:schemeClr val="accent1"/>
-          </a:effectRef>
-          <a:fontRef idx="minor">
-            <a:schemeClr val="lt1"/>
-          </a:fontRef>
-        </p:style>
-        <p:txBody>
-          <a:bodyPr rtlCol="0" anchor="ctr"/>
-          <a:lstStyle/>
-          <a:p>
-            <a:pPr algn="ctr"/>
-            <a:endParaRPr lang="en-US"/>
-          </a:p>
-        </p:txBody>
-      </p:sp>
-      <p:sp>
-        <p:nvSpPr>
-          <p:cNvPr id="59" name="Rectangle 58">
-            <a:extLst>
-              <a:ext uri="{FF2B5EF4-FFF2-40B4-BE49-F238E27FC236}">
-                <a16:creationId xmlns:a16="http://schemas.microsoft.com/office/drawing/2014/main" id="{F10B67E7-3CC3-7885-F6C5-70B018BABF9D}"/>
-              </a:ext>
-              <a:ext uri="{C183D7F6-B498-43B3-948B-1728B52AA6E4}">
-                <adec:decorative xmlns:adec="http://schemas.microsoft.com/office/drawing/2017/decorative" val="1"/>
-              </a:ext>
-            </a:extLst>
-          </p:cNvPr>
-          <p:cNvSpPr>
-            <a:spLocks noGrp="1" noRot="1" noChangeAspect="1" noMove="1" noResize="1" noEditPoints="1" noAdjustHandles="1" noChangeArrowheads="1" noChangeShapeType="1" noTextEdit="1"/>
-          </p:cNvSpPr>
-          <p:nvPr>
-            <p:extLst>
-              <p:ext uri="{386F3935-93C4-4BCD-93E2-E3B085C9AB24}">
-                <p16:designElem xmlns:p16="http://schemas.microsoft.com/office/powerpoint/2015/main" val="1"/>
-              </p:ext>
-            </p:extLst>
-          </p:nvPr>
-        </p:nvSpPr>
-        <p:spPr>
-          <a:xfrm rot="5400000">
-            <a:off x="3783777" y="-3783778"/>
-            <a:ext cx="1576446" cy="9144002"/>
-          </a:xfrm>
-          <a:prstGeom prst="rect">
-            <a:avLst/>
-          </a:prstGeom>
-          <a:gradFill>
-            <a:gsLst>
-              <a:gs pos="23000">
-                <a:schemeClr val="accent1">
-                  <a:alpha val="0"/>
-                </a:schemeClr>
-              </a:gs>
-              <a:gs pos="99000">
-                <a:srgbClr val="000000">
-                  <a:alpha val="74000"/>
-                </a:srgbClr>
-              </a:gs>
-            </a:gsLst>
-            <a:lin ang="20400000" scaled="0"/>
-          </a:gradFill>
-          <a:ln>
-            <a:noFill/>
-          </a:ln>
-        </p:spPr>
-        <p:style>
-          <a:lnRef idx="2">
-            <a:schemeClr val="accent1">
-              <a:shade val="50000"/>
-            </a:schemeClr>
-          </a:lnRef>
-          <a:fillRef idx="1">
-            <a:schemeClr val="accent1"/>
-          </a:fillRef>
-          <a:effectRef idx="0">
-            <a:schemeClr val="accent1"/>
-          </a:effectRef>
-          <a:fontRef idx="minor">
-            <a:schemeClr val="lt1"/>
-          </a:fontRef>
-        </p:style>
-        <p:txBody>
-          <a:bodyPr rtlCol="0" anchor="ctr"/>
-          <a:lstStyle/>
-          <a:p>
-            <a:pPr algn="ctr"/>
-            <a:endParaRPr lang="en-US" dirty="0"/>
-          </a:p>
-        </p:txBody>
-      </p:sp>
-      <p:sp>
-        <p:nvSpPr>
-          <p:cNvPr id="2" name="Title 1">
-            <a:extLst>
-              <a:ext uri="{FF2B5EF4-FFF2-40B4-BE49-F238E27FC236}">
-                <a16:creationId xmlns:a16="http://schemas.microsoft.com/office/drawing/2014/main" id="{58BF8FC4-53D6-127B-8FDD-AB025F923089}"/>
-              </a:ext>
-            </a:extLst>
-          </p:cNvPr>
-          <p:cNvSpPr>
-            <a:spLocks noGrp="1"/>
-          </p:cNvSpPr>
-          <p:nvPr>
-            <p:ph type="title"/>
-          </p:nvPr>
-        </p:nvSpPr>
-        <p:spPr>
-          <a:xfrm>
-            <a:off x="1028697" y="348865"/>
-            <a:ext cx="7533018" cy="877729"/>
-          </a:xfrm>
-        </p:spPr>
-        <p:txBody>
-          <a:bodyPr anchor="ctr">
-            <a:normAutofit/>
-          </a:bodyPr>
-          <a:lstStyle/>
-          <a:p>
-            <a:pPr>
-              <a:defRPr sz="2000">
-                <a:solidFill>
-                  <a:srgbClr val="000000"/>
-                </a:solidFill>
-                <a:latin typeface="Arial"/>
-              </a:defRPr>
-            </a:pPr>
-            <a:r>
-              <a:rPr lang="en-US" sz="3500" dirty="0">
-                <a:solidFill>
-                  <a:srgbClr val="FFFFFF"/>
-                </a:solidFill>
-              </a:rPr>
-              <a:t>6.2 Analysis Plan - EDA</a:t>
-            </a:r>
-          </a:p>
-        </p:txBody>
-      </p:sp>
-      <p:pic>
-        <p:nvPicPr>
-          <p:cNvPr id="4" name="Hình ảnh 3">
-            <a:extLst>
-              <a:ext uri="{FF2B5EF4-FFF2-40B4-BE49-F238E27FC236}">
-                <a16:creationId xmlns:a16="http://schemas.microsoft.com/office/drawing/2014/main" id="{8DFB0486-F33E-86B7-CC22-2DB15050619C}"/>
-              </a:ext>
-            </a:extLst>
-          </p:cNvPr>
-          <p:cNvPicPr>
-            <a:picLocks noChangeAspect="1"/>
-          </p:cNvPicPr>
-          <p:nvPr/>
-        </p:nvPicPr>
-        <p:blipFill>
-          <a:blip r:embed="rId2"/>
-          <a:stretch>
-            <a:fillRect/>
-          </a:stretch>
-        </p:blipFill>
-        <p:spPr>
-          <a:xfrm>
-            <a:off x="481781" y="1752232"/>
-            <a:ext cx="8079934" cy="1455862"/>
-          </a:xfrm>
-          <a:prstGeom prst="rect">
-            <a:avLst/>
-          </a:prstGeom>
-        </p:spPr>
-      </p:pic>
-      <p:pic>
-        <p:nvPicPr>
-          <p:cNvPr id="5" name="Hình ảnh 4">
-            <a:extLst>
-              <a:ext uri="{FF2B5EF4-FFF2-40B4-BE49-F238E27FC236}">
-                <a16:creationId xmlns:a16="http://schemas.microsoft.com/office/drawing/2014/main" id="{CD649FA6-6EC3-7324-EAA0-BAEFF41B0328}"/>
-              </a:ext>
-            </a:extLst>
-          </p:cNvPr>
-          <p:cNvPicPr>
-            <a:picLocks noChangeAspect="1"/>
-          </p:cNvPicPr>
-          <p:nvPr/>
-        </p:nvPicPr>
-        <p:blipFill>
-          <a:blip r:embed="rId3"/>
-          <a:stretch>
-            <a:fillRect/>
-          </a:stretch>
-        </p:blipFill>
-        <p:spPr>
-          <a:xfrm>
-            <a:off x="41425" y="3557946"/>
-            <a:ext cx="2937750" cy="2303186"/>
-          </a:xfrm>
-          <a:prstGeom prst="rect">
-            <a:avLst/>
-          </a:prstGeom>
-        </p:spPr>
-      </p:pic>
-      <p:pic>
-        <p:nvPicPr>
-          <p:cNvPr id="7" name="Hình ảnh 6">
-            <a:extLst>
-              <a:ext uri="{FF2B5EF4-FFF2-40B4-BE49-F238E27FC236}">
-                <a16:creationId xmlns:a16="http://schemas.microsoft.com/office/drawing/2014/main" id="{DB0771CF-1D4F-2EA0-BA35-607A9DD7801D}"/>
-              </a:ext>
-            </a:extLst>
-          </p:cNvPr>
-          <p:cNvPicPr>
-            <a:picLocks noChangeAspect="1"/>
-          </p:cNvPicPr>
-          <p:nvPr/>
-        </p:nvPicPr>
-        <p:blipFill>
-          <a:blip r:embed="rId4"/>
-          <a:stretch>
-            <a:fillRect/>
-          </a:stretch>
-        </p:blipFill>
-        <p:spPr>
-          <a:xfrm>
-            <a:off x="2979174" y="3557945"/>
-            <a:ext cx="6123402" cy="2862519"/>
-          </a:xfrm>
-          <a:prstGeom prst="rect">
-            <a:avLst/>
-          </a:prstGeom>
-        </p:spPr>
-      </p:pic>
-      <p:sp>
-        <p:nvSpPr>
-          <p:cNvPr id="8" name="Hình chữ nhật: Góc Tròn 7">
-            <a:extLst>
-              <a:ext uri="{FF2B5EF4-FFF2-40B4-BE49-F238E27FC236}">
-                <a16:creationId xmlns:a16="http://schemas.microsoft.com/office/drawing/2014/main" id="{6B8C166B-D977-74E3-B015-9CF40AC4A400}"/>
-              </a:ext>
-            </a:extLst>
-          </p:cNvPr>
-          <p:cNvSpPr/>
-          <p:nvPr/>
-        </p:nvSpPr>
-        <p:spPr>
-          <a:xfrm>
-            <a:off x="137652" y="1300398"/>
-            <a:ext cx="2477729" cy="349852"/>
-          </a:xfrm>
-          <a:prstGeom prst="roundRect">
-            <a:avLst/>
-          </a:prstGeom>
-          <a:solidFill>
-            <a:schemeClr val="accent1"/>
-          </a:solidFill>
-        </p:spPr>
-        <p:style>
-          <a:lnRef idx="1">
-            <a:schemeClr val="accent3"/>
-          </a:lnRef>
-          <a:fillRef idx="3">
-            <a:schemeClr val="accent3"/>
-          </a:fillRef>
-          <a:effectRef idx="2">
-            <a:schemeClr val="accent3"/>
-          </a:effectRef>
-          <a:fontRef idx="minor">
-            <a:schemeClr val="lt1"/>
-          </a:fontRef>
-        </p:style>
-        <p:txBody>
-          <a:bodyPr rtlCol="0" anchor="ctr"/>
-          <a:lstStyle/>
-          <a:p>
-            <a:pPr algn="ctr"/>
-            <a:r>
-              <a:rPr lang="en-US" sz="1800" b="1" i="0" dirty="0">
-                <a:effectLst/>
-              </a:rPr>
-              <a:t>Linear Progression</a:t>
-            </a:r>
-          </a:p>
-        </p:txBody>
-      </p:sp>
-    </p:spTree>
-    <p:extLst>
-      <p:ext uri="{BB962C8B-B14F-4D97-AF65-F5344CB8AC3E}">
-        <p14:creationId xmlns:p14="http://schemas.microsoft.com/office/powerpoint/2010/main" val="3951181792"/>
-      </p:ext>
-    </p:extLst>
-  </p:cSld>
-  <p:clrMapOvr>
-    <a:masterClrMapping/>
-  </p:clrMapOvr>
-</p:sld>
-</file>
-
-<file path=ppt/slides/slide14.xml><?xml version="1.0" encoding="utf-8"?>
-<p:sld xmlns:a="http://schemas.openxmlformats.org/drawingml/2006/main" xmlns:r="http://schemas.openxmlformats.org/officeDocument/2006/relationships" xmlns:p="http://schemas.openxmlformats.org/presentationml/2006/main">
-  <p:cSld>
-    <p:bg>
-      <p:bgPr>
-        <a:solidFill>
-          <a:schemeClr val="bg1"/>
-        </a:solidFill>
-        <a:effectLst/>
-      </p:bgPr>
-    </p:bg>
-    <p:spTree>
-      <p:nvGrpSpPr>
-        <p:cNvPr id="1" name="">
-          <a:extLst>
-            <a:ext uri="{FF2B5EF4-FFF2-40B4-BE49-F238E27FC236}">
               <a16:creationId xmlns:a16="http://schemas.microsoft.com/office/drawing/2014/main" id="{737F6E9B-77D3-04E2-9EE5-B8A779F86295}"/>
             </a:ext>
           </a:extLst>
@@ -18387,7 +17852,1531 @@
 </p:sld>
 </file>
 
+<file path=ppt/slides/slide14.xml><?xml version="1.0" encoding="utf-8"?>
+<p:sld xmlns:a="http://schemas.openxmlformats.org/drawingml/2006/main" xmlns:r="http://schemas.openxmlformats.org/officeDocument/2006/relationships" xmlns:p="http://schemas.openxmlformats.org/presentationml/2006/main">
+  <p:cSld>
+    <p:bg>
+      <p:bgPr>
+        <a:solidFill>
+          <a:schemeClr val="bg1"/>
+        </a:solidFill>
+        <a:effectLst/>
+      </p:bgPr>
+    </p:bg>
+    <p:spTree>
+      <p:nvGrpSpPr>
+        <p:cNvPr id="1" name="">
+          <a:extLst>
+            <a:ext uri="{FF2B5EF4-FFF2-40B4-BE49-F238E27FC236}">
+              <a16:creationId xmlns:a16="http://schemas.microsoft.com/office/drawing/2014/main" id="{EEE80E0A-5BC0-C427-23CD-85D3AAAD0AA2}"/>
+            </a:ext>
+          </a:extLst>
+        </p:cNvPr>
+        <p:cNvGrpSpPr/>
+        <p:nvPr/>
+      </p:nvGrpSpPr>
+      <p:grpSpPr>
+        <a:xfrm>
+          <a:off x="0" y="0"/>
+          <a:ext cx="0" cy="0"/>
+          <a:chOff x="0" y="0"/>
+          <a:chExt cx="0" cy="0"/>
+        </a:xfrm>
+      </p:grpSpPr>
+      <p:sp useBgFill="1">
+        <p:nvSpPr>
+          <p:cNvPr id="53" name="Rectangle 52">
+            <a:extLst>
+              <a:ext uri="{FF2B5EF4-FFF2-40B4-BE49-F238E27FC236}">
+                <a16:creationId xmlns:a16="http://schemas.microsoft.com/office/drawing/2014/main" id="{7886370C-9544-E064-7D36-8E303E403CAE}"/>
+              </a:ext>
+              <a:ext uri="{C183D7F6-B498-43B3-948B-1728B52AA6E4}">
+                <adec:decorative xmlns:adec="http://schemas.microsoft.com/office/drawing/2017/decorative" val="1"/>
+              </a:ext>
+            </a:extLst>
+          </p:cNvPr>
+          <p:cNvSpPr>
+            <a:spLocks noGrp="1" noRot="1" noChangeAspect="1" noMove="1" noResize="1" noEditPoints="1" noAdjustHandles="1" noChangeArrowheads="1" noChangeShapeType="1" noTextEdit="1"/>
+          </p:cNvSpPr>
+          <p:nvPr>
+            <p:extLst>
+              <p:ext uri="{386F3935-93C4-4BCD-93E2-E3B085C9AB24}">
+                <p16:designElem xmlns:p16="http://schemas.microsoft.com/office/powerpoint/2015/main" val="1"/>
+              </p:ext>
+            </p:extLst>
+          </p:nvPr>
+        </p:nvSpPr>
+        <p:spPr>
+          <a:xfrm>
+            <a:off x="0" y="0"/>
+            <a:ext cx="9144000" cy="6858000"/>
+          </a:xfrm>
+          <a:prstGeom prst="rect">
+            <a:avLst/>
+          </a:prstGeom>
+          <a:ln w="12700" cap="flat" cmpd="sng" algn="ctr">
+            <a:noFill/>
+            <a:prstDash val="solid"/>
+            <a:miter lim="800000"/>
+          </a:ln>
+          <a:effectLst/>
+          <a:extLst>
+            <a:ext uri="{91240B29-F687-4F45-9708-019B960494DF}">
+              <a14:hiddenLine xmlns:a14="http://schemas.microsoft.com/office/drawing/2010/main" w="12700" cap="flat" cmpd="sng" algn="ctr">
+                <a:solidFill>
+                  <a:schemeClr val="accent1">
+                    <a:shade val="50000"/>
+                  </a:schemeClr>
+                </a:solidFill>
+                <a:prstDash val="solid"/>
+                <a:miter lim="800000"/>
+              </a14:hiddenLine>
+            </a:ext>
+          </a:extLst>
+        </p:spPr>
+        <p:style>
+          <a:lnRef idx="2">
+            <a:schemeClr val="accent1">
+              <a:shade val="50000"/>
+            </a:schemeClr>
+          </a:lnRef>
+          <a:fillRef idx="1">
+            <a:schemeClr val="accent1"/>
+          </a:fillRef>
+          <a:effectRef idx="0">
+            <a:schemeClr val="accent1"/>
+          </a:effectRef>
+          <a:fontRef idx="minor">
+            <a:schemeClr val="lt1"/>
+          </a:fontRef>
+        </p:style>
+        <p:txBody>
+          <a:bodyPr rtlCol="0" anchor="ctr"/>
+          <a:lstStyle/>
+          <a:p>
+            <a:pPr algn="ctr"/>
+            <a:endParaRPr lang="en-US"/>
+          </a:p>
+        </p:txBody>
+      </p:sp>
+      <p:sp>
+        <p:nvSpPr>
+          <p:cNvPr id="55" name="Rectangle 54">
+            <a:extLst>
+              <a:ext uri="{FF2B5EF4-FFF2-40B4-BE49-F238E27FC236}">
+                <a16:creationId xmlns:a16="http://schemas.microsoft.com/office/drawing/2014/main" id="{C3657710-51B6-F079-5349-72D3673F2D8E}"/>
+              </a:ext>
+              <a:ext uri="{C183D7F6-B498-43B3-948B-1728B52AA6E4}">
+                <adec:decorative xmlns:adec="http://schemas.microsoft.com/office/drawing/2017/decorative" val="1"/>
+              </a:ext>
+            </a:extLst>
+          </p:cNvPr>
+          <p:cNvSpPr>
+            <a:spLocks noGrp="1" noRot="1" noChangeAspect="1" noMove="1" noResize="1" noEditPoints="1" noAdjustHandles="1" noChangeArrowheads="1" noChangeShapeType="1" noTextEdit="1"/>
+          </p:cNvSpPr>
+          <p:nvPr>
+            <p:extLst>
+              <p:ext uri="{386F3935-93C4-4BCD-93E2-E3B085C9AB24}">
+                <p16:designElem xmlns:p16="http://schemas.microsoft.com/office/powerpoint/2015/main" val="1"/>
+              </p:ext>
+            </p:extLst>
+          </p:nvPr>
+        </p:nvSpPr>
+        <p:spPr>
+          <a:xfrm flipH="1">
+            <a:off x="1" y="0"/>
+            <a:ext cx="9143999" cy="1575955"/>
+          </a:xfrm>
+          <a:prstGeom prst="rect">
+            <a:avLst/>
+          </a:prstGeom>
+          <a:gradFill>
+            <a:gsLst>
+              <a:gs pos="0">
+                <a:srgbClr val="000000">
+                  <a:alpha val="96000"/>
+                </a:srgbClr>
+              </a:gs>
+              <a:gs pos="100000">
+                <a:schemeClr val="accent1">
+                  <a:lumMod val="75000"/>
+                </a:schemeClr>
+              </a:gs>
+            </a:gsLst>
+            <a:lin ang="8400000" scaled="0"/>
+          </a:gradFill>
+          <a:ln>
+            <a:noFill/>
+          </a:ln>
+        </p:spPr>
+        <p:style>
+          <a:lnRef idx="2">
+            <a:schemeClr val="accent1">
+              <a:shade val="50000"/>
+            </a:schemeClr>
+          </a:lnRef>
+          <a:fillRef idx="1">
+            <a:schemeClr val="accent1"/>
+          </a:fillRef>
+          <a:effectRef idx="0">
+            <a:schemeClr val="accent1"/>
+          </a:effectRef>
+          <a:fontRef idx="minor">
+            <a:schemeClr val="lt1"/>
+          </a:fontRef>
+        </p:style>
+        <p:txBody>
+          <a:bodyPr rtlCol="0" anchor="ctr"/>
+          <a:lstStyle/>
+          <a:p>
+            <a:pPr algn="ctr"/>
+            <a:endParaRPr lang="en-US"/>
+          </a:p>
+        </p:txBody>
+      </p:sp>
+      <p:sp>
+        <p:nvSpPr>
+          <p:cNvPr id="57" name="Rectangle 56">
+            <a:extLst>
+              <a:ext uri="{FF2B5EF4-FFF2-40B4-BE49-F238E27FC236}">
+                <a16:creationId xmlns:a16="http://schemas.microsoft.com/office/drawing/2014/main" id="{F203B934-041E-75CE-0DF3-7D61FF2236B3}"/>
+              </a:ext>
+              <a:ext uri="{C183D7F6-B498-43B3-948B-1728B52AA6E4}">
+                <adec:decorative xmlns:adec="http://schemas.microsoft.com/office/drawing/2017/decorative" val="1"/>
+              </a:ext>
+            </a:extLst>
+          </p:cNvPr>
+          <p:cNvSpPr>
+            <a:spLocks noGrp="1" noRot="1" noChangeAspect="1" noMove="1" noResize="1" noEditPoints="1" noAdjustHandles="1" noChangeArrowheads="1" noChangeShapeType="1" noTextEdit="1"/>
+          </p:cNvSpPr>
+          <p:nvPr>
+            <p:extLst>
+              <p:ext uri="{386F3935-93C4-4BCD-93E2-E3B085C9AB24}">
+                <p16:designElem xmlns:p16="http://schemas.microsoft.com/office/powerpoint/2015/main" val="1"/>
+              </p:ext>
+            </p:extLst>
+          </p:nvPr>
+        </p:nvSpPr>
+        <p:spPr>
+          <a:xfrm rot="10800000" flipH="1">
+            <a:off x="6096642" y="0"/>
+            <a:ext cx="3047358" cy="1576412"/>
+          </a:xfrm>
+          <a:prstGeom prst="rect">
+            <a:avLst/>
+          </a:prstGeom>
+          <a:gradFill>
+            <a:gsLst>
+              <a:gs pos="19000">
+                <a:schemeClr val="accent1">
+                  <a:lumMod val="50000"/>
+                  <a:alpha val="68000"/>
+                </a:schemeClr>
+              </a:gs>
+              <a:gs pos="100000">
+                <a:schemeClr val="accent1">
+                  <a:alpha val="79000"/>
+                </a:schemeClr>
+              </a:gs>
+            </a:gsLst>
+            <a:lin ang="19200000" scaled="0"/>
+          </a:gradFill>
+          <a:ln>
+            <a:noFill/>
+          </a:ln>
+        </p:spPr>
+        <p:style>
+          <a:lnRef idx="2">
+            <a:schemeClr val="accent1">
+              <a:shade val="50000"/>
+            </a:schemeClr>
+          </a:lnRef>
+          <a:fillRef idx="1">
+            <a:schemeClr val="accent1"/>
+          </a:fillRef>
+          <a:effectRef idx="0">
+            <a:schemeClr val="accent1"/>
+          </a:effectRef>
+          <a:fontRef idx="minor">
+            <a:schemeClr val="lt1"/>
+          </a:fontRef>
+        </p:style>
+        <p:txBody>
+          <a:bodyPr rtlCol="0" anchor="ctr"/>
+          <a:lstStyle/>
+          <a:p>
+            <a:pPr algn="ctr"/>
+            <a:endParaRPr lang="en-US"/>
+          </a:p>
+        </p:txBody>
+      </p:sp>
+      <p:sp>
+        <p:nvSpPr>
+          <p:cNvPr id="59" name="Rectangle 58">
+            <a:extLst>
+              <a:ext uri="{FF2B5EF4-FFF2-40B4-BE49-F238E27FC236}">
+                <a16:creationId xmlns:a16="http://schemas.microsoft.com/office/drawing/2014/main" id="{F10B67E7-3CC3-7885-F6C5-70B018BABF9D}"/>
+              </a:ext>
+              <a:ext uri="{C183D7F6-B498-43B3-948B-1728B52AA6E4}">
+                <adec:decorative xmlns:adec="http://schemas.microsoft.com/office/drawing/2017/decorative" val="1"/>
+              </a:ext>
+            </a:extLst>
+          </p:cNvPr>
+          <p:cNvSpPr>
+            <a:spLocks noGrp="1" noRot="1" noChangeAspect="1" noMove="1" noResize="1" noEditPoints="1" noAdjustHandles="1" noChangeArrowheads="1" noChangeShapeType="1" noTextEdit="1"/>
+          </p:cNvSpPr>
+          <p:nvPr>
+            <p:extLst>
+              <p:ext uri="{386F3935-93C4-4BCD-93E2-E3B085C9AB24}">
+                <p16:designElem xmlns:p16="http://schemas.microsoft.com/office/powerpoint/2015/main" val="1"/>
+              </p:ext>
+            </p:extLst>
+          </p:nvPr>
+        </p:nvSpPr>
+        <p:spPr>
+          <a:xfrm rot="5400000">
+            <a:off x="3783777" y="-3783778"/>
+            <a:ext cx="1576446" cy="9144002"/>
+          </a:xfrm>
+          <a:prstGeom prst="rect">
+            <a:avLst/>
+          </a:prstGeom>
+          <a:gradFill>
+            <a:gsLst>
+              <a:gs pos="23000">
+                <a:schemeClr val="accent1">
+                  <a:alpha val="0"/>
+                </a:schemeClr>
+              </a:gs>
+              <a:gs pos="99000">
+                <a:srgbClr val="000000">
+                  <a:alpha val="74000"/>
+                </a:srgbClr>
+              </a:gs>
+            </a:gsLst>
+            <a:lin ang="20400000" scaled="0"/>
+          </a:gradFill>
+          <a:ln>
+            <a:noFill/>
+          </a:ln>
+        </p:spPr>
+        <p:style>
+          <a:lnRef idx="2">
+            <a:schemeClr val="accent1">
+              <a:shade val="50000"/>
+            </a:schemeClr>
+          </a:lnRef>
+          <a:fillRef idx="1">
+            <a:schemeClr val="accent1"/>
+          </a:fillRef>
+          <a:effectRef idx="0">
+            <a:schemeClr val="accent1"/>
+          </a:effectRef>
+          <a:fontRef idx="minor">
+            <a:schemeClr val="lt1"/>
+          </a:fontRef>
+        </p:style>
+        <p:txBody>
+          <a:bodyPr rtlCol="0" anchor="ctr"/>
+          <a:lstStyle/>
+          <a:p>
+            <a:pPr algn="ctr"/>
+            <a:endParaRPr lang="en-US" dirty="0"/>
+          </a:p>
+        </p:txBody>
+      </p:sp>
+      <p:sp>
+        <p:nvSpPr>
+          <p:cNvPr id="2" name="Title 1">
+            <a:extLst>
+              <a:ext uri="{FF2B5EF4-FFF2-40B4-BE49-F238E27FC236}">
+                <a16:creationId xmlns:a16="http://schemas.microsoft.com/office/drawing/2014/main" id="{58BF8FC4-53D6-127B-8FDD-AB025F923089}"/>
+              </a:ext>
+            </a:extLst>
+          </p:cNvPr>
+          <p:cNvSpPr>
+            <a:spLocks noGrp="1"/>
+          </p:cNvSpPr>
+          <p:nvPr>
+            <p:ph type="title"/>
+          </p:nvPr>
+        </p:nvSpPr>
+        <p:spPr>
+          <a:xfrm>
+            <a:off x="1028697" y="348865"/>
+            <a:ext cx="7533018" cy="877729"/>
+          </a:xfrm>
+        </p:spPr>
+        <p:txBody>
+          <a:bodyPr anchor="ctr">
+            <a:normAutofit/>
+          </a:bodyPr>
+          <a:lstStyle/>
+          <a:p>
+            <a:pPr>
+              <a:defRPr sz="2000">
+                <a:solidFill>
+                  <a:srgbClr val="000000"/>
+                </a:solidFill>
+                <a:latin typeface="Arial"/>
+              </a:defRPr>
+            </a:pPr>
+            <a:r>
+              <a:rPr lang="en-US" sz="3500" dirty="0">
+                <a:solidFill>
+                  <a:srgbClr val="FFFFFF"/>
+                </a:solidFill>
+              </a:rPr>
+              <a:t>6.4 Predictive model</a:t>
+            </a:r>
+          </a:p>
+        </p:txBody>
+      </p:sp>
+      <p:sp>
+        <p:nvSpPr>
+          <p:cNvPr id="8" name="Hình chữ nhật: Góc Tròn 7">
+            <a:extLst>
+              <a:ext uri="{FF2B5EF4-FFF2-40B4-BE49-F238E27FC236}">
+                <a16:creationId xmlns:a16="http://schemas.microsoft.com/office/drawing/2014/main" id="{6B8C166B-D977-74E3-B015-9CF40AC4A400}"/>
+              </a:ext>
+            </a:extLst>
+          </p:cNvPr>
+          <p:cNvSpPr/>
+          <p:nvPr/>
+        </p:nvSpPr>
+        <p:spPr>
+          <a:xfrm>
+            <a:off x="137652" y="1300398"/>
+            <a:ext cx="2477729" cy="349852"/>
+          </a:xfrm>
+          <a:prstGeom prst="roundRect">
+            <a:avLst/>
+          </a:prstGeom>
+          <a:solidFill>
+            <a:schemeClr val="accent1"/>
+          </a:solidFill>
+        </p:spPr>
+        <p:style>
+          <a:lnRef idx="1">
+            <a:schemeClr val="accent3"/>
+          </a:lnRef>
+          <a:fillRef idx="3">
+            <a:schemeClr val="accent3"/>
+          </a:fillRef>
+          <a:effectRef idx="2">
+            <a:schemeClr val="accent3"/>
+          </a:effectRef>
+          <a:fontRef idx="minor">
+            <a:schemeClr val="lt1"/>
+          </a:fontRef>
+        </p:style>
+        <p:txBody>
+          <a:bodyPr rtlCol="0" anchor="ctr"/>
+          <a:lstStyle/>
+          <a:p>
+            <a:pPr algn="ctr"/>
+            <a:r>
+              <a:rPr lang="en-US" sz="1800" b="1" i="0" dirty="0">
+                <a:effectLst/>
+              </a:rPr>
+              <a:t>Linear Progression</a:t>
+            </a:r>
+          </a:p>
+        </p:txBody>
+      </p:sp>
+      <p:sp>
+        <p:nvSpPr>
+          <p:cNvPr id="3" name="Hình chữ nhật 2">
+            <a:extLst>
+              <a:ext uri="{FF2B5EF4-FFF2-40B4-BE49-F238E27FC236}">
+                <a16:creationId xmlns:a16="http://schemas.microsoft.com/office/drawing/2014/main" id="{66DE73BB-FBDC-23AE-8397-EF148653F9A2}"/>
+              </a:ext>
+            </a:extLst>
+          </p:cNvPr>
+          <p:cNvSpPr/>
+          <p:nvPr/>
+        </p:nvSpPr>
+        <p:spPr>
+          <a:xfrm>
+            <a:off x="275303" y="1842041"/>
+            <a:ext cx="8563897" cy="1704945"/>
+          </a:xfrm>
+          <a:prstGeom prst="rect">
+            <a:avLst/>
+          </a:prstGeom>
+          <a:solidFill>
+            <a:schemeClr val="bg1"/>
+          </a:solidFill>
+        </p:spPr>
+        <p:style>
+          <a:lnRef idx="1">
+            <a:schemeClr val="accent1"/>
+          </a:lnRef>
+          <a:fillRef idx="3">
+            <a:schemeClr val="accent1"/>
+          </a:fillRef>
+          <a:effectRef idx="2">
+            <a:schemeClr val="accent1"/>
+          </a:effectRef>
+          <a:fontRef idx="minor">
+            <a:schemeClr val="lt1"/>
+          </a:fontRef>
+        </p:style>
+        <p:txBody>
+          <a:bodyPr rtlCol="0" anchor="ctr"/>
+          <a:lstStyle/>
+          <a:p>
+            <a:r>
+              <a:rPr lang="vi-VN" sz="1200" dirty="0">
+                <a:solidFill>
+                  <a:schemeClr val="tx1"/>
+                </a:solidFill>
+                <a:latin typeface="Calibri" panose="020F0502020204030204" pitchFamily="34" charset="0"/>
+                <a:ea typeface="Calibri" panose="020F0502020204030204" pitchFamily="34" charset="0"/>
+                <a:cs typeface="Calibri" panose="020F0502020204030204" pitchFamily="34" charset="0"/>
+              </a:rPr>
+              <a:t>R² </a:t>
+            </a:r>
+            <a:r>
+              <a:rPr lang="vi-VN" sz="1200" dirty="0" err="1">
+                <a:solidFill>
+                  <a:schemeClr val="tx1"/>
+                </a:solidFill>
+                <a:latin typeface="Calibri" panose="020F0502020204030204" pitchFamily="34" charset="0"/>
+                <a:ea typeface="Calibri" panose="020F0502020204030204" pitchFamily="34" charset="0"/>
+                <a:cs typeface="Calibri" panose="020F0502020204030204" pitchFamily="34" charset="0"/>
+              </a:rPr>
+              <a:t>Score</a:t>
+            </a:r>
+            <a:r>
+              <a:rPr lang="vi-VN" sz="1200" dirty="0">
+                <a:solidFill>
+                  <a:schemeClr val="tx1"/>
+                </a:solidFill>
+                <a:latin typeface="Calibri" panose="020F0502020204030204" pitchFamily="34" charset="0"/>
+                <a:ea typeface="Calibri" panose="020F0502020204030204" pitchFamily="34" charset="0"/>
+                <a:cs typeface="Calibri" panose="020F0502020204030204" pitchFamily="34" charset="0"/>
+              </a:rPr>
+              <a:t> = 0.57 → Mô hình giải thích được 57% phương sai của biến phụ thuộc (thời gian giao hàng). Đây là mức tương đối khá, cho thấy mô hình đã nắm bắt được phần lớn xu hướng dữ liệu, nhưng vẫn còn 43% phương sai chưa giải thích được. Điều này có thể do:</a:t>
+            </a:r>
+            <a:endParaRPr lang="en-US" sz="1200" dirty="0">
+              <a:solidFill>
+                <a:schemeClr val="tx1"/>
+              </a:solidFill>
+              <a:latin typeface="Calibri" panose="020F0502020204030204" pitchFamily="34" charset="0"/>
+              <a:ea typeface="Calibri" panose="020F0502020204030204" pitchFamily="34" charset="0"/>
+              <a:cs typeface="Calibri" panose="020F0502020204030204" pitchFamily="34" charset="0"/>
+            </a:endParaRPr>
+          </a:p>
+          <a:p>
+            <a:r>
+              <a:rPr lang="vi-VN" sz="1200" dirty="0">
+                <a:solidFill>
+                  <a:schemeClr val="tx1"/>
+                </a:solidFill>
+                <a:latin typeface="Calibri" panose="020F0502020204030204" pitchFamily="34" charset="0"/>
+                <a:ea typeface="Calibri" panose="020F0502020204030204" pitchFamily="34" charset="0"/>
+                <a:cs typeface="Calibri" panose="020F0502020204030204" pitchFamily="34" charset="0"/>
+              </a:rPr>
+              <a:t>✔️ Chưa đưa vào đầy đủ các biến đầu vào quan trọng (ví dụ: chi tiết quãng đường, loại hàng hóa).</a:t>
+            </a:r>
+            <a:endParaRPr lang="en-US" sz="1200" dirty="0">
+              <a:solidFill>
+                <a:schemeClr val="tx1"/>
+              </a:solidFill>
+              <a:latin typeface="Calibri" panose="020F0502020204030204" pitchFamily="34" charset="0"/>
+              <a:ea typeface="Calibri" panose="020F0502020204030204" pitchFamily="34" charset="0"/>
+              <a:cs typeface="Calibri" panose="020F0502020204030204" pitchFamily="34" charset="0"/>
+            </a:endParaRPr>
+          </a:p>
+          <a:p>
+            <a:endParaRPr lang="en-US" sz="1200" dirty="0">
+              <a:solidFill>
+                <a:schemeClr val="tx1"/>
+              </a:solidFill>
+              <a:latin typeface="Calibri" panose="020F0502020204030204" pitchFamily="34" charset="0"/>
+              <a:ea typeface="Calibri" panose="020F0502020204030204" pitchFamily="34" charset="0"/>
+              <a:cs typeface="Calibri" panose="020F0502020204030204" pitchFamily="34" charset="0"/>
+            </a:endParaRPr>
+          </a:p>
+          <a:p>
+            <a:r>
+              <a:rPr lang="vi-VN" sz="1200" dirty="0">
+                <a:solidFill>
+                  <a:schemeClr val="tx1"/>
+                </a:solidFill>
+                <a:latin typeface="Calibri" panose="020F0502020204030204" pitchFamily="34" charset="0"/>
+                <a:ea typeface="Calibri" panose="020F0502020204030204" pitchFamily="34" charset="0"/>
+                <a:cs typeface="Calibri" panose="020F0502020204030204" pitchFamily="34" charset="0"/>
+              </a:rPr>
+              <a:t>✔️ Mối quan hệ giữa các biến và thời gian giao hàng có thể phi tuyến tính, cần các mô hình phi tuyến để cải </a:t>
+            </a:r>
+            <a:r>
+              <a:rPr lang="vi-VN" sz="1200" dirty="0" err="1">
+                <a:solidFill>
+                  <a:schemeClr val="tx1"/>
+                </a:solidFill>
+                <a:latin typeface="Calibri" panose="020F0502020204030204" pitchFamily="34" charset="0"/>
+                <a:ea typeface="Calibri" panose="020F0502020204030204" pitchFamily="34" charset="0"/>
+                <a:cs typeface="Calibri" panose="020F0502020204030204" pitchFamily="34" charset="0"/>
+              </a:rPr>
+              <a:t>thiện.MSE</a:t>
+            </a:r>
+            <a:r>
+              <a:rPr lang="vi-VN" sz="1200" dirty="0">
+                <a:solidFill>
+                  <a:schemeClr val="tx1"/>
+                </a:solidFill>
+                <a:latin typeface="Calibri" panose="020F0502020204030204" pitchFamily="34" charset="0"/>
+                <a:ea typeface="Calibri" panose="020F0502020204030204" pitchFamily="34" charset="0"/>
+                <a:cs typeface="Calibri" panose="020F0502020204030204" pitchFamily="34" charset="0"/>
+              </a:rPr>
+              <a:t> = 38.44 → Sai số trung bình </a:t>
+            </a:r>
+            <a:r>
+              <a:rPr lang="vi-VN" sz="1200" dirty="0" err="1">
+                <a:solidFill>
+                  <a:schemeClr val="tx1"/>
+                </a:solidFill>
+                <a:latin typeface="Calibri" panose="020F0502020204030204" pitchFamily="34" charset="0"/>
+                <a:ea typeface="Calibri" panose="020F0502020204030204" pitchFamily="34" charset="0"/>
+                <a:cs typeface="Calibri" panose="020F0502020204030204" pitchFamily="34" charset="0"/>
+              </a:rPr>
+              <a:t>bình</a:t>
+            </a:r>
+            <a:r>
+              <a:rPr lang="vi-VN" sz="1200" dirty="0">
+                <a:solidFill>
+                  <a:schemeClr val="tx1"/>
+                </a:solidFill>
+                <a:latin typeface="Calibri" panose="020F0502020204030204" pitchFamily="34" charset="0"/>
+                <a:ea typeface="Calibri" panose="020F0502020204030204" pitchFamily="34" charset="0"/>
+                <a:cs typeface="Calibri" panose="020F0502020204030204" pitchFamily="34" charset="0"/>
+              </a:rPr>
+              <a:t> phương của dự báo khá thấp, cho thấy mô hình dự đoán gần đúng so với thực tế, tốt hơn so với các lần thử trước (ví dụ MSE = 88.44, 39.84).</a:t>
+            </a:r>
+            <a:endParaRPr lang="en-US" sz="1200" dirty="0">
+              <a:solidFill>
+                <a:schemeClr val="tx1"/>
+              </a:solidFill>
+              <a:latin typeface="Calibri" panose="020F0502020204030204" pitchFamily="34" charset="0"/>
+              <a:ea typeface="Calibri" panose="020F0502020204030204" pitchFamily="34" charset="0"/>
+              <a:cs typeface="Calibri" panose="020F0502020204030204" pitchFamily="34" charset="0"/>
+            </a:endParaRPr>
+          </a:p>
+        </p:txBody>
+      </p:sp>
+    </p:spTree>
+    <p:extLst>
+      <p:ext uri="{BB962C8B-B14F-4D97-AF65-F5344CB8AC3E}">
+        <p14:creationId xmlns:p14="http://schemas.microsoft.com/office/powerpoint/2010/main" val="3951181792"/>
+      </p:ext>
+    </p:extLst>
+  </p:cSld>
+  <p:clrMapOvr>
+    <a:masterClrMapping/>
+  </p:clrMapOvr>
+</p:sld>
+</file>
+
 <file path=ppt/slides/slide15.xml><?xml version="1.0" encoding="utf-8"?>
+<p:sld xmlns:a="http://schemas.openxmlformats.org/drawingml/2006/main" xmlns:r="http://schemas.openxmlformats.org/officeDocument/2006/relationships" xmlns:p="http://schemas.openxmlformats.org/presentationml/2006/main">
+  <p:cSld>
+    <p:bg>
+      <p:bgPr>
+        <a:solidFill>
+          <a:schemeClr val="bg1"/>
+        </a:solidFill>
+        <a:effectLst/>
+      </p:bgPr>
+    </p:bg>
+    <p:spTree>
+      <p:nvGrpSpPr>
+        <p:cNvPr id="1" name="">
+          <a:extLst>
+            <a:ext uri="{FF2B5EF4-FFF2-40B4-BE49-F238E27FC236}">
+              <a16:creationId xmlns:a16="http://schemas.microsoft.com/office/drawing/2014/main" id="{0ABB4E3E-FCBB-BFC8-93BB-25161DA4BB61}"/>
+            </a:ext>
+          </a:extLst>
+        </p:cNvPr>
+        <p:cNvGrpSpPr/>
+        <p:nvPr/>
+      </p:nvGrpSpPr>
+      <p:grpSpPr>
+        <a:xfrm>
+          <a:off x="0" y="0"/>
+          <a:ext cx="0" cy="0"/>
+          <a:chOff x="0" y="0"/>
+          <a:chExt cx="0" cy="0"/>
+        </a:xfrm>
+      </p:grpSpPr>
+      <p:sp useBgFill="1">
+        <p:nvSpPr>
+          <p:cNvPr id="53" name="Rectangle 52">
+            <a:extLst>
+              <a:ext uri="{FF2B5EF4-FFF2-40B4-BE49-F238E27FC236}">
+                <a16:creationId xmlns:a16="http://schemas.microsoft.com/office/drawing/2014/main" id="{8E04F629-9ACE-26A9-129C-51358500F746}"/>
+              </a:ext>
+              <a:ext uri="{C183D7F6-B498-43B3-948B-1728B52AA6E4}">
+                <adec:decorative xmlns:adec="http://schemas.microsoft.com/office/drawing/2017/decorative" val="1"/>
+              </a:ext>
+            </a:extLst>
+          </p:cNvPr>
+          <p:cNvSpPr>
+            <a:spLocks noGrp="1" noRot="1" noChangeAspect="1" noMove="1" noResize="1" noEditPoints="1" noAdjustHandles="1" noChangeArrowheads="1" noChangeShapeType="1" noTextEdit="1"/>
+          </p:cNvSpPr>
+          <p:nvPr>
+            <p:extLst>
+              <p:ext uri="{386F3935-93C4-4BCD-93E2-E3B085C9AB24}">
+                <p16:designElem xmlns:p16="http://schemas.microsoft.com/office/powerpoint/2015/main" val="1"/>
+              </p:ext>
+            </p:extLst>
+          </p:nvPr>
+        </p:nvSpPr>
+        <p:spPr>
+          <a:xfrm>
+            <a:off x="0" y="0"/>
+            <a:ext cx="9144000" cy="6858000"/>
+          </a:xfrm>
+          <a:prstGeom prst="rect">
+            <a:avLst/>
+          </a:prstGeom>
+          <a:ln w="12700" cap="flat" cmpd="sng" algn="ctr">
+            <a:noFill/>
+            <a:prstDash val="solid"/>
+            <a:miter lim="800000"/>
+          </a:ln>
+          <a:effectLst/>
+          <a:extLst>
+            <a:ext uri="{91240B29-F687-4F45-9708-019B960494DF}">
+              <a14:hiddenLine xmlns:a14="http://schemas.microsoft.com/office/drawing/2010/main" w="12700" cap="flat" cmpd="sng" algn="ctr">
+                <a:solidFill>
+                  <a:schemeClr val="accent1">
+                    <a:shade val="50000"/>
+                  </a:schemeClr>
+                </a:solidFill>
+                <a:prstDash val="solid"/>
+                <a:miter lim="800000"/>
+              </a14:hiddenLine>
+            </a:ext>
+          </a:extLst>
+        </p:spPr>
+        <p:style>
+          <a:lnRef idx="2">
+            <a:schemeClr val="accent1">
+              <a:shade val="50000"/>
+            </a:schemeClr>
+          </a:lnRef>
+          <a:fillRef idx="1">
+            <a:schemeClr val="accent1"/>
+          </a:fillRef>
+          <a:effectRef idx="0">
+            <a:schemeClr val="accent1"/>
+          </a:effectRef>
+          <a:fontRef idx="minor">
+            <a:schemeClr val="lt1"/>
+          </a:fontRef>
+        </p:style>
+        <p:txBody>
+          <a:bodyPr rtlCol="0" anchor="ctr"/>
+          <a:lstStyle/>
+          <a:p>
+            <a:pPr algn="ctr"/>
+            <a:endParaRPr lang="en-US"/>
+          </a:p>
+        </p:txBody>
+      </p:sp>
+      <p:sp>
+        <p:nvSpPr>
+          <p:cNvPr id="55" name="Rectangle 54">
+            <a:extLst>
+              <a:ext uri="{FF2B5EF4-FFF2-40B4-BE49-F238E27FC236}">
+                <a16:creationId xmlns:a16="http://schemas.microsoft.com/office/drawing/2014/main" id="{4752719C-7808-4A3F-EBB7-F32335374231}"/>
+              </a:ext>
+              <a:ext uri="{C183D7F6-B498-43B3-948B-1728B52AA6E4}">
+                <adec:decorative xmlns:adec="http://schemas.microsoft.com/office/drawing/2017/decorative" val="1"/>
+              </a:ext>
+            </a:extLst>
+          </p:cNvPr>
+          <p:cNvSpPr>
+            <a:spLocks noGrp="1" noRot="1" noChangeAspect="1" noMove="1" noResize="1" noEditPoints="1" noAdjustHandles="1" noChangeArrowheads="1" noChangeShapeType="1" noTextEdit="1"/>
+          </p:cNvSpPr>
+          <p:nvPr>
+            <p:extLst>
+              <p:ext uri="{386F3935-93C4-4BCD-93E2-E3B085C9AB24}">
+                <p16:designElem xmlns:p16="http://schemas.microsoft.com/office/powerpoint/2015/main" val="1"/>
+              </p:ext>
+            </p:extLst>
+          </p:nvPr>
+        </p:nvSpPr>
+        <p:spPr>
+          <a:xfrm flipH="1">
+            <a:off x="1" y="0"/>
+            <a:ext cx="9143999" cy="1575955"/>
+          </a:xfrm>
+          <a:prstGeom prst="rect">
+            <a:avLst/>
+          </a:prstGeom>
+          <a:gradFill>
+            <a:gsLst>
+              <a:gs pos="0">
+                <a:srgbClr val="000000">
+                  <a:alpha val="96000"/>
+                </a:srgbClr>
+              </a:gs>
+              <a:gs pos="100000">
+                <a:schemeClr val="accent1">
+                  <a:lumMod val="75000"/>
+                </a:schemeClr>
+              </a:gs>
+            </a:gsLst>
+            <a:lin ang="8400000" scaled="0"/>
+          </a:gradFill>
+          <a:ln>
+            <a:noFill/>
+          </a:ln>
+        </p:spPr>
+        <p:style>
+          <a:lnRef idx="2">
+            <a:schemeClr val="accent1">
+              <a:shade val="50000"/>
+            </a:schemeClr>
+          </a:lnRef>
+          <a:fillRef idx="1">
+            <a:schemeClr val="accent1"/>
+          </a:fillRef>
+          <a:effectRef idx="0">
+            <a:schemeClr val="accent1"/>
+          </a:effectRef>
+          <a:fontRef idx="minor">
+            <a:schemeClr val="lt1"/>
+          </a:fontRef>
+        </p:style>
+        <p:txBody>
+          <a:bodyPr rtlCol="0" anchor="ctr"/>
+          <a:lstStyle/>
+          <a:p>
+            <a:pPr algn="ctr"/>
+            <a:endParaRPr lang="en-US"/>
+          </a:p>
+        </p:txBody>
+      </p:sp>
+      <p:sp>
+        <p:nvSpPr>
+          <p:cNvPr id="57" name="Rectangle 56">
+            <a:extLst>
+              <a:ext uri="{FF2B5EF4-FFF2-40B4-BE49-F238E27FC236}">
+                <a16:creationId xmlns:a16="http://schemas.microsoft.com/office/drawing/2014/main" id="{BAB40386-5C3C-57ED-B31D-EFE9BA61FFB6}"/>
+              </a:ext>
+              <a:ext uri="{C183D7F6-B498-43B3-948B-1728B52AA6E4}">
+                <adec:decorative xmlns:adec="http://schemas.microsoft.com/office/drawing/2017/decorative" val="1"/>
+              </a:ext>
+            </a:extLst>
+          </p:cNvPr>
+          <p:cNvSpPr>
+            <a:spLocks noGrp="1" noRot="1" noChangeAspect="1" noMove="1" noResize="1" noEditPoints="1" noAdjustHandles="1" noChangeArrowheads="1" noChangeShapeType="1" noTextEdit="1"/>
+          </p:cNvSpPr>
+          <p:nvPr>
+            <p:extLst>
+              <p:ext uri="{386F3935-93C4-4BCD-93E2-E3B085C9AB24}">
+                <p16:designElem xmlns:p16="http://schemas.microsoft.com/office/powerpoint/2015/main" val="1"/>
+              </p:ext>
+            </p:extLst>
+          </p:nvPr>
+        </p:nvSpPr>
+        <p:spPr>
+          <a:xfrm rot="10800000" flipH="1">
+            <a:off x="6096642" y="0"/>
+            <a:ext cx="3047358" cy="1576412"/>
+          </a:xfrm>
+          <a:prstGeom prst="rect">
+            <a:avLst/>
+          </a:prstGeom>
+          <a:gradFill>
+            <a:gsLst>
+              <a:gs pos="19000">
+                <a:schemeClr val="accent1">
+                  <a:lumMod val="50000"/>
+                  <a:alpha val="68000"/>
+                </a:schemeClr>
+              </a:gs>
+              <a:gs pos="100000">
+                <a:schemeClr val="accent1">
+                  <a:alpha val="79000"/>
+                </a:schemeClr>
+              </a:gs>
+            </a:gsLst>
+            <a:lin ang="19200000" scaled="0"/>
+          </a:gradFill>
+          <a:ln>
+            <a:noFill/>
+          </a:ln>
+        </p:spPr>
+        <p:style>
+          <a:lnRef idx="2">
+            <a:schemeClr val="accent1">
+              <a:shade val="50000"/>
+            </a:schemeClr>
+          </a:lnRef>
+          <a:fillRef idx="1">
+            <a:schemeClr val="accent1"/>
+          </a:fillRef>
+          <a:effectRef idx="0">
+            <a:schemeClr val="accent1"/>
+          </a:effectRef>
+          <a:fontRef idx="minor">
+            <a:schemeClr val="lt1"/>
+          </a:fontRef>
+        </p:style>
+        <p:txBody>
+          <a:bodyPr rtlCol="0" anchor="ctr"/>
+          <a:lstStyle/>
+          <a:p>
+            <a:pPr algn="ctr"/>
+            <a:endParaRPr lang="en-US"/>
+          </a:p>
+        </p:txBody>
+      </p:sp>
+      <p:sp>
+        <p:nvSpPr>
+          <p:cNvPr id="59" name="Rectangle 58">
+            <a:extLst>
+              <a:ext uri="{FF2B5EF4-FFF2-40B4-BE49-F238E27FC236}">
+                <a16:creationId xmlns:a16="http://schemas.microsoft.com/office/drawing/2014/main" id="{03CDA289-B17B-01B6-6CE5-3EE0111F11C2}"/>
+              </a:ext>
+              <a:ext uri="{C183D7F6-B498-43B3-948B-1728B52AA6E4}">
+                <adec:decorative xmlns:adec="http://schemas.microsoft.com/office/drawing/2017/decorative" val="1"/>
+              </a:ext>
+            </a:extLst>
+          </p:cNvPr>
+          <p:cNvSpPr>
+            <a:spLocks noGrp="1" noRot="1" noChangeAspect="1" noMove="1" noResize="1" noEditPoints="1" noAdjustHandles="1" noChangeArrowheads="1" noChangeShapeType="1" noTextEdit="1"/>
+          </p:cNvSpPr>
+          <p:nvPr>
+            <p:extLst>
+              <p:ext uri="{386F3935-93C4-4BCD-93E2-E3B085C9AB24}">
+                <p16:designElem xmlns:p16="http://schemas.microsoft.com/office/powerpoint/2015/main" val="1"/>
+              </p:ext>
+            </p:extLst>
+          </p:nvPr>
+        </p:nvSpPr>
+        <p:spPr>
+          <a:xfrm rot="5400000">
+            <a:off x="3783777" y="-3783778"/>
+            <a:ext cx="1576446" cy="9144002"/>
+          </a:xfrm>
+          <a:prstGeom prst="rect">
+            <a:avLst/>
+          </a:prstGeom>
+          <a:gradFill>
+            <a:gsLst>
+              <a:gs pos="23000">
+                <a:schemeClr val="accent1">
+                  <a:alpha val="0"/>
+                </a:schemeClr>
+              </a:gs>
+              <a:gs pos="99000">
+                <a:srgbClr val="000000">
+                  <a:alpha val="74000"/>
+                </a:srgbClr>
+              </a:gs>
+            </a:gsLst>
+            <a:lin ang="20400000" scaled="0"/>
+          </a:gradFill>
+          <a:ln>
+            <a:noFill/>
+          </a:ln>
+        </p:spPr>
+        <p:style>
+          <a:lnRef idx="2">
+            <a:schemeClr val="accent1">
+              <a:shade val="50000"/>
+            </a:schemeClr>
+          </a:lnRef>
+          <a:fillRef idx="1">
+            <a:schemeClr val="accent1"/>
+          </a:fillRef>
+          <a:effectRef idx="0">
+            <a:schemeClr val="accent1"/>
+          </a:effectRef>
+          <a:fontRef idx="minor">
+            <a:schemeClr val="lt1"/>
+          </a:fontRef>
+        </p:style>
+        <p:txBody>
+          <a:bodyPr rtlCol="0" anchor="ctr"/>
+          <a:lstStyle/>
+          <a:p>
+            <a:pPr algn="ctr"/>
+            <a:endParaRPr lang="en-US" dirty="0"/>
+          </a:p>
+        </p:txBody>
+      </p:sp>
+      <p:sp>
+        <p:nvSpPr>
+          <p:cNvPr id="2" name="Title 1">
+            <a:extLst>
+              <a:ext uri="{FF2B5EF4-FFF2-40B4-BE49-F238E27FC236}">
+                <a16:creationId xmlns:a16="http://schemas.microsoft.com/office/drawing/2014/main" id="{6215A9C6-625B-820C-CB37-CCDFD94C59A7}"/>
+              </a:ext>
+            </a:extLst>
+          </p:cNvPr>
+          <p:cNvSpPr>
+            <a:spLocks noGrp="1"/>
+          </p:cNvSpPr>
+          <p:nvPr>
+            <p:ph type="title"/>
+          </p:nvPr>
+        </p:nvSpPr>
+        <p:spPr>
+          <a:xfrm>
+            <a:off x="1028697" y="348865"/>
+            <a:ext cx="7533018" cy="877729"/>
+          </a:xfrm>
+        </p:spPr>
+        <p:txBody>
+          <a:bodyPr anchor="ctr">
+            <a:normAutofit/>
+          </a:bodyPr>
+          <a:lstStyle/>
+          <a:p>
+            <a:pPr>
+              <a:defRPr sz="2000">
+                <a:solidFill>
+                  <a:srgbClr val="000000"/>
+                </a:solidFill>
+                <a:latin typeface="Arial"/>
+              </a:defRPr>
+            </a:pPr>
+            <a:r>
+              <a:rPr lang="en-US" sz="3500" dirty="0">
+                <a:solidFill>
+                  <a:srgbClr val="FFFFFF"/>
+                </a:solidFill>
+              </a:rPr>
+              <a:t>6.4 Predictive model</a:t>
+            </a:r>
+          </a:p>
+        </p:txBody>
+      </p:sp>
+      <p:sp>
+        <p:nvSpPr>
+          <p:cNvPr id="8" name="Hình chữ nhật: Góc Tròn 7">
+            <a:extLst>
+              <a:ext uri="{FF2B5EF4-FFF2-40B4-BE49-F238E27FC236}">
+                <a16:creationId xmlns:a16="http://schemas.microsoft.com/office/drawing/2014/main" id="{74ABF969-CAA1-B79B-A798-5604C49B9D89}"/>
+              </a:ext>
+            </a:extLst>
+          </p:cNvPr>
+          <p:cNvSpPr/>
+          <p:nvPr/>
+        </p:nvSpPr>
+        <p:spPr>
+          <a:xfrm>
+            <a:off x="137652" y="1300398"/>
+            <a:ext cx="2477729" cy="349852"/>
+          </a:xfrm>
+          <a:prstGeom prst="roundRect">
+            <a:avLst/>
+          </a:prstGeom>
+          <a:solidFill>
+            <a:schemeClr val="accent1"/>
+          </a:solidFill>
+        </p:spPr>
+        <p:style>
+          <a:lnRef idx="1">
+            <a:schemeClr val="accent3"/>
+          </a:lnRef>
+          <a:fillRef idx="3">
+            <a:schemeClr val="accent3"/>
+          </a:fillRef>
+          <a:effectRef idx="2">
+            <a:schemeClr val="accent3"/>
+          </a:effectRef>
+          <a:fontRef idx="minor">
+            <a:schemeClr val="lt1"/>
+          </a:fontRef>
+        </p:style>
+        <p:txBody>
+          <a:bodyPr rtlCol="0" anchor="ctr"/>
+          <a:lstStyle/>
+          <a:p>
+            <a:pPr algn="ctr"/>
+            <a:r>
+              <a:rPr lang="en-US" sz="1800" b="1" i="0" dirty="0">
+                <a:effectLst/>
+              </a:rPr>
+              <a:t>Linear Progression</a:t>
+            </a:r>
+          </a:p>
+        </p:txBody>
+      </p:sp>
+      <p:pic>
+        <p:nvPicPr>
+          <p:cNvPr id="9" name="Hình ảnh 8">
+            <a:extLst>
+              <a:ext uri="{FF2B5EF4-FFF2-40B4-BE49-F238E27FC236}">
+                <a16:creationId xmlns:a16="http://schemas.microsoft.com/office/drawing/2014/main" id="{CD65CCEB-B48E-0D4A-7EB3-BF6A656EA9B0}"/>
+              </a:ext>
+            </a:extLst>
+          </p:cNvPr>
+          <p:cNvPicPr>
+            <a:picLocks noChangeAspect="1"/>
+          </p:cNvPicPr>
+          <p:nvPr/>
+        </p:nvPicPr>
+        <p:blipFill>
+          <a:blip r:embed="rId2"/>
+          <a:stretch>
+            <a:fillRect/>
+          </a:stretch>
+        </p:blipFill>
+        <p:spPr>
+          <a:xfrm>
+            <a:off x="137652" y="2245917"/>
+            <a:ext cx="2172930" cy="2366165"/>
+          </a:xfrm>
+          <a:prstGeom prst="rect">
+            <a:avLst/>
+          </a:prstGeom>
+        </p:spPr>
+      </p:pic>
+      <p:sp>
+        <p:nvSpPr>
+          <p:cNvPr id="10" name="Hộp Văn bản 9">
+            <a:extLst>
+              <a:ext uri="{FF2B5EF4-FFF2-40B4-BE49-F238E27FC236}">
+                <a16:creationId xmlns:a16="http://schemas.microsoft.com/office/drawing/2014/main" id="{D83F9B84-782A-ACAD-130C-530A16642CF6}"/>
+              </a:ext>
+            </a:extLst>
+          </p:cNvPr>
+          <p:cNvSpPr txBox="1"/>
+          <p:nvPr/>
+        </p:nvSpPr>
+        <p:spPr>
+          <a:xfrm>
+            <a:off x="2310581" y="1669179"/>
+            <a:ext cx="6833420" cy="5001369"/>
+          </a:xfrm>
+          <a:prstGeom prst="rect">
+            <a:avLst/>
+          </a:prstGeom>
+          <a:noFill/>
+        </p:spPr>
+        <p:txBody>
+          <a:bodyPr wrap="square" rtlCol="0">
+            <a:spAutoFit/>
+          </a:bodyPr>
+          <a:lstStyle/>
+          <a:p>
+            <a:pPr>
+              <a:buNone/>
+            </a:pPr>
+            <a:r>
+              <a:rPr lang="en-US" sz="1100" b="1" dirty="0" err="1"/>
+              <a:t>Delivery_location_longitude</a:t>
+            </a:r>
+            <a:r>
+              <a:rPr lang="en-US" sz="1100" b="1" dirty="0"/>
+              <a:t> (48.78):</a:t>
+            </a:r>
+            <a:r>
+              <a:rPr lang="en-US" sz="1100" dirty="0"/>
+              <a:t> The longitude coordinate has a strong and positive effect on delivery time – meaning that as the delivery location’s longitude increases, the delivery time also increases significantly. This may reflect the additional time needed to reach farther delivery points along the longitude direction.</a:t>
+            </a:r>
+          </a:p>
+          <a:p>
+            <a:pPr>
+              <a:buNone/>
+            </a:pPr>
+            <a:endParaRPr lang="en-US" sz="1100" dirty="0"/>
+          </a:p>
+          <a:p>
+            <a:pPr>
+              <a:buNone/>
+            </a:pPr>
+            <a:r>
+              <a:rPr lang="en-US" sz="1100" b="1" dirty="0" err="1"/>
+              <a:t>City_Semi</a:t>
+            </a:r>
+            <a:r>
+              <a:rPr lang="en-US" sz="1100" b="1" dirty="0"/>
+              <a:t>-Urban (12.44):</a:t>
+            </a:r>
+            <a:r>
+              <a:rPr lang="en-US" sz="1100" dirty="0"/>
+              <a:t> Deliveries in </a:t>
+            </a:r>
+            <a:r>
+              <a:rPr lang="en-US" sz="1100" b="1" dirty="0"/>
+              <a:t>semi-urban areas</a:t>
+            </a:r>
+            <a:r>
+              <a:rPr lang="en-US" sz="1100" dirty="0"/>
+              <a:t> significantly increase delivery time compared to other regions.</a:t>
+            </a:r>
+          </a:p>
+          <a:p>
+            <a:pPr>
+              <a:buNone/>
+            </a:pPr>
+            <a:endParaRPr lang="en-US" sz="1100" dirty="0"/>
+          </a:p>
+          <a:p>
+            <a:pPr>
+              <a:buNone/>
+            </a:pPr>
+            <a:r>
+              <a:rPr lang="en-US" sz="1100" b="1" dirty="0" err="1"/>
+              <a:t>Festival_Yes</a:t>
+            </a:r>
+            <a:r>
+              <a:rPr lang="en-US" sz="1100" b="1" dirty="0"/>
+              <a:t> (10.49):</a:t>
+            </a:r>
+            <a:r>
+              <a:rPr lang="en-US" sz="1100" dirty="0"/>
+              <a:t> During festivals, delivery time increases by approximately </a:t>
+            </a:r>
+            <a:r>
+              <a:rPr lang="en-US" sz="1100" b="1" dirty="0"/>
+              <a:t>10.5 minutes on average</a:t>
+            </a:r>
+            <a:r>
+              <a:rPr lang="en-US" sz="1100" dirty="0"/>
+              <a:t> – due to higher traffic volumes and increased demand.</a:t>
+            </a:r>
+          </a:p>
+          <a:p>
+            <a:pPr>
+              <a:buNone/>
+            </a:pPr>
+            <a:endParaRPr lang="en-US" sz="1100" dirty="0"/>
+          </a:p>
+          <a:p>
+            <a:pPr>
+              <a:buNone/>
+            </a:pPr>
+            <a:r>
+              <a:rPr lang="en-US" sz="1100" b="1" dirty="0" err="1"/>
+              <a:t>Multiple_deliveries</a:t>
+            </a:r>
+            <a:r>
+              <a:rPr lang="en-US" sz="1100" b="1" dirty="0"/>
+              <a:t> (3.18):</a:t>
+            </a:r>
+            <a:r>
+              <a:rPr lang="en-US" sz="1100" dirty="0"/>
+              <a:t> Each instance of multiple deliveries in a single trip increases delivery time by approximately </a:t>
+            </a:r>
+            <a:r>
+              <a:rPr lang="en-US" sz="1100" b="1" dirty="0"/>
+              <a:t>3.2 minutes</a:t>
+            </a:r>
+            <a:r>
+              <a:rPr lang="en-US" sz="1100" dirty="0"/>
+              <a:t>, reflecting the additional handling and routing involved.</a:t>
+            </a:r>
+          </a:p>
+          <a:p>
+            <a:pPr>
+              <a:buNone/>
+            </a:pPr>
+            <a:endParaRPr lang="en-US" sz="1100" dirty="0"/>
+          </a:p>
+          <a:p>
+            <a:pPr>
+              <a:buNone/>
+            </a:pPr>
+            <a:r>
+              <a:rPr lang="en-US" sz="1100" b="1" dirty="0" err="1"/>
+              <a:t>Road_traffic_density_Jam</a:t>
+            </a:r>
+            <a:r>
+              <a:rPr lang="en-US" sz="1100" b="1" dirty="0"/>
+              <a:t> (0.40):</a:t>
+            </a:r>
+            <a:r>
+              <a:rPr lang="en-US" sz="1100" dirty="0"/>
+              <a:t> Traffic jams increase delivery time by approximately </a:t>
+            </a:r>
+            <a:r>
+              <a:rPr lang="en-US" sz="1100" b="1" dirty="0"/>
+              <a:t>0.4 minutes</a:t>
+            </a:r>
+            <a:r>
+              <a:rPr lang="en-US" sz="1100" dirty="0"/>
+              <a:t> – a minor but notable impact.</a:t>
+            </a:r>
+          </a:p>
+          <a:p>
+            <a:pPr>
+              <a:buNone/>
+            </a:pPr>
+            <a:endParaRPr lang="en-US" sz="1100" dirty="0"/>
+          </a:p>
+          <a:p>
+            <a:pPr>
+              <a:buNone/>
+            </a:pPr>
+            <a:r>
+              <a:rPr lang="en-US" sz="1100" b="1" dirty="0" err="1"/>
+              <a:t>Delivery_person_Age</a:t>
+            </a:r>
+            <a:r>
+              <a:rPr lang="en-US" sz="1100" b="1" dirty="0"/>
+              <a:t> (0.38):</a:t>
+            </a:r>
+            <a:r>
+              <a:rPr lang="en-US" sz="1100" dirty="0"/>
+              <a:t> Older delivery personnel tend to take longer to deliver, though the effect is relatively small.</a:t>
+            </a:r>
+          </a:p>
+          <a:p>
+            <a:pPr>
+              <a:buNone/>
+            </a:pPr>
+            <a:endParaRPr lang="en-US" sz="1100" dirty="0"/>
+          </a:p>
+          <a:p>
+            <a:pPr>
+              <a:buNone/>
+            </a:pPr>
+            <a:r>
+              <a:rPr lang="en-US" sz="1100" b="1" dirty="0" err="1"/>
+              <a:t>Weather_conditions_Fog</a:t>
+            </a:r>
+            <a:r>
+              <a:rPr lang="en-US" sz="1100" b="1" dirty="0"/>
+              <a:t> (0.19):</a:t>
+            </a:r>
+            <a:r>
+              <a:rPr lang="en-US" sz="1100" dirty="0"/>
+              <a:t> Foggy conditions slightly increase delivery time – the impact is smaller compared to festivals or semi-urban areas.</a:t>
+            </a:r>
+          </a:p>
+          <a:p>
+            <a:pPr>
+              <a:buNone/>
+            </a:pPr>
+            <a:endParaRPr lang="en-US" sz="1100" dirty="0"/>
+          </a:p>
+          <a:p>
+            <a:pPr>
+              <a:buNone/>
+            </a:pPr>
+            <a:r>
+              <a:rPr lang="en-US" sz="1100" b="1" dirty="0" err="1"/>
+              <a:t>Restaurant_latitude</a:t>
+            </a:r>
+            <a:r>
+              <a:rPr lang="en-US" sz="1100" b="1" dirty="0"/>
+              <a:t> (0.01):</a:t>
+            </a:r>
+            <a:r>
+              <a:rPr lang="en-US" sz="1100" dirty="0"/>
+              <a:t> The latitude coordinate of the restaurant has a small effect on delivery time.</a:t>
+            </a:r>
+          </a:p>
+          <a:p>
+            <a:pPr>
+              <a:buNone/>
+            </a:pPr>
+            <a:endParaRPr lang="en-US" sz="1100" dirty="0"/>
+          </a:p>
+          <a:p>
+            <a:pPr>
+              <a:buNone/>
+            </a:pPr>
+            <a:r>
+              <a:rPr lang="en-US" sz="1100" b="1" dirty="0" err="1"/>
+              <a:t>Delivery_location_latitude</a:t>
+            </a:r>
+            <a:r>
+              <a:rPr lang="en-US" sz="1100" b="1" dirty="0"/>
+              <a:t> (-0.026):</a:t>
+            </a:r>
+            <a:r>
+              <a:rPr lang="en-US" sz="1100" dirty="0"/>
+              <a:t> Conversely, the latitude of the delivery location slightly reduces delivery time, but the effect is very small.</a:t>
+            </a:r>
+          </a:p>
+          <a:p>
+            <a:pPr>
+              <a:buNone/>
+            </a:pPr>
+            <a:endParaRPr lang="en-US" sz="1100" dirty="0"/>
+          </a:p>
+          <a:p>
+            <a:r>
+              <a:rPr lang="en-US" sz="1100" b="1" dirty="0" err="1"/>
+              <a:t>Type_of_order_Meal</a:t>
+            </a:r>
+            <a:r>
+              <a:rPr lang="en-US" sz="1100" b="1" dirty="0"/>
+              <a:t> (-0.14):</a:t>
+            </a:r>
+            <a:r>
+              <a:rPr lang="en-US" sz="1100" dirty="0"/>
+              <a:t> Meal orders tend to slightly reduce delivery time – likely because meal orders are simpler and quicker to handle.</a:t>
+            </a:r>
+          </a:p>
+        </p:txBody>
+      </p:sp>
+      <p:grpSp>
+        <p:nvGrpSpPr>
+          <p:cNvPr id="4" name="Nhóm 3">
+            <a:extLst>
+              <a:ext uri="{FF2B5EF4-FFF2-40B4-BE49-F238E27FC236}">
+                <a16:creationId xmlns:a16="http://schemas.microsoft.com/office/drawing/2014/main" id="{5C4DA23F-D355-67E7-C0E4-C8E01A5FC99D}"/>
+              </a:ext>
+            </a:extLst>
+          </p:cNvPr>
+          <p:cNvGrpSpPr/>
+          <p:nvPr/>
+        </p:nvGrpSpPr>
+        <p:grpSpPr>
+          <a:xfrm>
+            <a:off x="91773" y="1822261"/>
+            <a:ext cx="2218808" cy="319088"/>
+            <a:chOff x="0" y="1431"/>
+            <a:chExt cx="3873909" cy="934771"/>
+          </a:xfrm>
+        </p:grpSpPr>
+        <p:sp>
+          <p:nvSpPr>
+            <p:cNvPr id="5" name="Hình chữ nhật: Góc Tròn 4">
+              <a:extLst>
+                <a:ext uri="{FF2B5EF4-FFF2-40B4-BE49-F238E27FC236}">
+                  <a16:creationId xmlns:a16="http://schemas.microsoft.com/office/drawing/2014/main" id="{4B1F5A1B-AE64-E063-6C46-6EB996913F84}"/>
+                </a:ext>
+              </a:extLst>
+            </p:cNvPr>
+            <p:cNvSpPr/>
+            <p:nvPr/>
+          </p:nvSpPr>
+          <p:spPr>
+            <a:xfrm>
+              <a:off x="0" y="1431"/>
+              <a:ext cx="3873909" cy="934771"/>
+            </a:xfrm>
+            <a:prstGeom prst="roundRect">
+              <a:avLst/>
+            </a:prstGeom>
+          </p:spPr>
+          <p:style>
+            <a:lnRef idx="2">
+              <a:schemeClr val="lt1">
+                <a:hueOff val="0"/>
+                <a:satOff val="0"/>
+                <a:lumOff val="0"/>
+                <a:alphaOff val="0"/>
+              </a:schemeClr>
+            </a:lnRef>
+            <a:fillRef idx="1">
+              <a:schemeClr val="accent2">
+                <a:hueOff val="0"/>
+                <a:satOff val="0"/>
+                <a:lumOff val="0"/>
+                <a:alphaOff val="0"/>
+              </a:schemeClr>
+            </a:fillRef>
+            <a:effectRef idx="0">
+              <a:schemeClr val="accent2">
+                <a:hueOff val="0"/>
+                <a:satOff val="0"/>
+                <a:lumOff val="0"/>
+                <a:alphaOff val="0"/>
+              </a:schemeClr>
+            </a:effectRef>
+            <a:fontRef idx="minor">
+              <a:schemeClr val="lt1"/>
+            </a:fontRef>
+          </p:style>
+          <p:txBody>
+            <a:bodyPr/>
+            <a:lstStyle/>
+            <a:p>
+              <a:endParaRPr lang="en-US"/>
+            </a:p>
+          </p:txBody>
+        </p:sp>
+        <p:sp>
+          <p:nvSpPr>
+            <p:cNvPr id="6" name="Hình chữ nhật: Góc Tròn 4">
+              <a:extLst>
+                <a:ext uri="{FF2B5EF4-FFF2-40B4-BE49-F238E27FC236}">
+                  <a16:creationId xmlns:a16="http://schemas.microsoft.com/office/drawing/2014/main" id="{8BB6B206-3BCC-6D88-70B6-97DBA04322A7}"/>
+                </a:ext>
+              </a:extLst>
+            </p:cNvPr>
+            <p:cNvSpPr txBox="1"/>
+            <p:nvPr/>
+          </p:nvSpPr>
+          <p:spPr>
+            <a:xfrm>
+              <a:off x="45632" y="47064"/>
+              <a:ext cx="3782645" cy="889138"/>
+            </a:xfrm>
+            <a:prstGeom prst="rect">
+              <a:avLst/>
+            </a:prstGeom>
+          </p:spPr>
+          <p:style>
+            <a:lnRef idx="0">
+              <a:scrgbClr r="0" g="0" b="0"/>
+            </a:lnRef>
+            <a:fillRef idx="0">
+              <a:scrgbClr r="0" g="0" b="0"/>
+            </a:fillRef>
+            <a:effectRef idx="0">
+              <a:scrgbClr r="0" g="0" b="0"/>
+            </a:effectRef>
+            <a:fontRef idx="minor">
+              <a:schemeClr val="lt1"/>
+            </a:fontRef>
+          </p:style>
+          <p:txBody>
+            <a:bodyPr spcFirstLastPara="0" vert="horz" wrap="square" lIns="53340" tIns="53340" rIns="53340" bIns="53340" numCol="1" spcCol="1270" anchor="ctr" anchorCtr="0">
+              <a:noAutofit/>
+            </a:bodyPr>
+            <a:lstStyle/>
+            <a:p>
+              <a:pPr marL="0" lvl="0" indent="0" algn="l" defTabSz="622300">
+                <a:lnSpc>
+                  <a:spcPct val="90000"/>
+                </a:lnSpc>
+                <a:spcBef>
+                  <a:spcPct val="0"/>
+                </a:spcBef>
+                <a:spcAft>
+                  <a:spcPct val="35000"/>
+                </a:spcAft>
+                <a:buNone/>
+              </a:pPr>
+              <a:r>
+                <a:rPr lang="en-US" sz="1400" b="1" dirty="0"/>
+                <a:t>COEF</a:t>
+              </a:r>
+              <a:endParaRPr lang="en-US" sz="1000" b="1" kern="1200" dirty="0"/>
+            </a:p>
+          </p:txBody>
+        </p:sp>
+      </p:grpSp>
+    </p:spTree>
+    <p:extLst>
+      <p:ext uri="{BB962C8B-B14F-4D97-AF65-F5344CB8AC3E}">
+        <p14:creationId xmlns:p14="http://schemas.microsoft.com/office/powerpoint/2010/main" val="170357372"/>
+      </p:ext>
+    </p:extLst>
+  </p:cSld>
+  <p:clrMapOvr>
+    <a:masterClrMapping/>
+  </p:clrMapOvr>
+</p:sld>
+</file>
+
+<file path=ppt/slides/slide16.xml><?xml version="1.0" encoding="utf-8"?>
 <p:sld xmlns:a="http://schemas.openxmlformats.org/drawingml/2006/main" xmlns:r="http://schemas.openxmlformats.org/officeDocument/2006/relationships" xmlns:p="http://schemas.openxmlformats.org/presentationml/2006/main">
   <p:cSld>
     <p:bg>
@@ -18898,6 +19887,10 @@
                 </a:spcAft>
                 <a:buNone/>
               </a:pPr>
+              <a:r>
+                <a:rPr lang="en-US" sz="1400" dirty="0"/>
+                <a:t>🧑‍🔧</a:t>
+              </a:r>
               <a:r>
                 <a:rPr lang="en-US" sz="1400" b="1" i="0" kern="1200" dirty="0">
                   <a:effectLst/>
@@ -19040,6 +20033,10 @@
                 </a:spcAft>
                 <a:buNone/>
               </a:pPr>
+              <a:r>
+                <a:rPr lang="en-US" sz="1400" dirty="0"/>
+                <a:t>🚚 </a:t>
+              </a:r>
               <a:r>
                 <a:rPr lang="en-US" sz="1400" b="1" kern="1200" dirty="0"/>
                 <a:t>V</a:t>
@@ -19185,8 +20182,12 @@
                 <a:buNone/>
               </a:pPr>
               <a:r>
+                <a:rPr lang="en-US" sz="1400" dirty="0"/>
+                <a:t>⏰</a:t>
+              </a:r>
+              <a:r>
                 <a:rPr lang="en-US" sz="1400" b="1" i="0" kern="1200" dirty="0"/>
-                <a:t>Order timing</a:t>
+                <a:t>Order - Timing</a:t>
               </a:r>
               <a:endParaRPr lang="en-US" sz="1000" kern="1200" dirty="0"/>
             </a:p>
@@ -19233,71 +20234,45 @@
           <a:bodyPr rtlCol="0" anchor="t" anchorCtr="0"/>
           <a:lstStyle/>
           <a:p>
-            <a:r>
-              <a:rPr lang="en-US" sz="1400" b="1" dirty="0" err="1">
-                <a:solidFill>
-                  <a:schemeClr val="tx1"/>
-                </a:solidFill>
-              </a:rPr>
-              <a:t>Delivery_person_Age</a:t>
-            </a:r>
-            <a:r>
-              <a:rPr lang="en-US" sz="1400" b="1" dirty="0">
-                <a:solidFill>
-                  <a:schemeClr val="tx1"/>
-                </a:solidFill>
-              </a:rPr>
-              <a:t>: </a:t>
-            </a:r>
-          </a:p>
-          <a:p>
+            <a:pPr marL="285750" indent="-285750">
+              <a:buFont typeface="Arial" panose="020B0604020202020204" pitchFamily="34" charset="0"/>
+              <a:buChar char="•"/>
+            </a:pPr>
             <a:r>
               <a:rPr lang="en-US" sz="1200" dirty="0">
                 <a:solidFill>
                   <a:schemeClr val="tx1"/>
                 </a:solidFill>
               </a:rPr>
-              <a:t>Employees aged 29 and under have a faster delivery time rate.</a:t>
+              <a:t>Younger delivery personnel (under 29) tend to have faster delivery times.</a:t>
             </a:r>
           </a:p>
           <a:p>
-            <a:endParaRPr lang="en-US" sz="1200" dirty="0">
-              <a:solidFill>
-                <a:schemeClr val="tx1"/>
-              </a:solidFill>
-            </a:endParaRPr>
-          </a:p>
-          <a:p>
-            <a:r>
-              <a:rPr lang="en-US" sz="1400" b="1" dirty="0" err="1">
-                <a:solidFill>
-                  <a:schemeClr val="tx1"/>
-                </a:solidFill>
-              </a:rPr>
-              <a:t>Delivery_person_Ratings</a:t>
-            </a:r>
-            <a:r>
-              <a:rPr lang="en-US" sz="1400" b="1" dirty="0">
-                <a:solidFill>
-                  <a:schemeClr val="tx1"/>
-                </a:solidFill>
-              </a:rPr>
-              <a:t>: </a:t>
-            </a:r>
-            <a:endParaRPr lang="en-US" sz="1200" b="1" dirty="0">
-              <a:solidFill>
-                <a:schemeClr val="tx1"/>
-              </a:solidFill>
-            </a:endParaRPr>
-          </a:p>
-          <a:p>
+            <a:pPr marL="285750" indent="-285750">
+              <a:buFont typeface="Arial" panose="020B0604020202020204" pitchFamily="34" charset="0"/>
+              <a:buChar char="•"/>
+            </a:pPr>
             <a:r>
               <a:rPr lang="en-US" sz="1200" dirty="0">
                 <a:solidFill>
                   <a:schemeClr val="tx1"/>
                 </a:solidFill>
               </a:rPr>
-              <a:t>Faster delivery times tend to receive higher ratings.</a:t>
+              <a:t>Higher customer ratings are associated with quicker deliveries.</a:t>
+            </a:r>
+          </a:p>
+          <a:p>
+            <a:pPr marL="285750" indent="-285750">
+              <a:buFont typeface="Arial" panose="020B0604020202020204" pitchFamily="34" charset="0"/>
+              <a:buChar char="•"/>
+            </a:pPr>
+            <a:r>
+              <a:rPr lang="en-US" sz="1200" dirty="0">
+                <a:solidFill>
+                  <a:schemeClr val="tx1"/>
+                </a:solidFill>
+              </a:rPr>
+              <a:t>Older delivery personnel generally take longer to complete deliveries.</a:t>
             </a:r>
           </a:p>
         </p:txBody>
@@ -19342,79 +20317,46 @@
           <a:bodyPr rtlCol="0" anchor="t" anchorCtr="0"/>
           <a:lstStyle/>
           <a:p>
-            <a:r>
-              <a:rPr lang="en-US" sz="1400" b="1" dirty="0" err="1">
-                <a:solidFill>
-                  <a:schemeClr val="tx1"/>
-                </a:solidFill>
-              </a:rPr>
-              <a:t>Vehicle_condition</a:t>
-            </a:r>
-            <a:r>
-              <a:rPr lang="en-US" sz="1400" b="1" dirty="0">
-                <a:solidFill>
-                  <a:schemeClr val="tx1"/>
-                </a:solidFill>
-              </a:rPr>
-              <a:t>: </a:t>
-            </a:r>
-          </a:p>
-          <a:p>
+            <a:pPr marL="171450" indent="-171450">
+              <a:buFont typeface="Arial" panose="020B0604020202020204" pitchFamily="34" charset="0"/>
+              <a:buChar char="•"/>
+            </a:pPr>
             <a:r>
               <a:rPr lang="en-US" sz="1200" dirty="0">
                 <a:solidFill>
                   <a:schemeClr val="tx1"/>
                 </a:solidFill>
               </a:rPr>
-              <a:t>The condition of the vehicle affects the delivery time. A good vehicle condition ensures faster delivery.</a:t>
+              <a:t>Good vehicle condition contributes to reduced delivery times.</a:t>
             </a:r>
           </a:p>
           <a:p>
-            <a:endParaRPr lang="en-US" sz="1200" dirty="0">
-              <a:solidFill>
-                <a:schemeClr val="tx1"/>
-              </a:solidFill>
-            </a:endParaRPr>
-          </a:p>
-          <a:p>
-            <a:r>
-              <a:rPr lang="en-US" sz="1400" b="1" dirty="0" err="1">
-                <a:solidFill>
-                  <a:schemeClr val="tx1"/>
-                </a:solidFill>
-              </a:rPr>
-              <a:t>Multiple_deliveries</a:t>
-            </a:r>
-            <a:r>
-              <a:rPr lang="en-US" sz="1400" b="1" dirty="0">
-                <a:solidFill>
-                  <a:schemeClr val="tx1"/>
-                </a:solidFill>
-              </a:rPr>
-              <a:t>: </a:t>
-            </a:r>
-            <a:endParaRPr lang="en-US" sz="1200" b="1" dirty="0">
-              <a:solidFill>
-                <a:schemeClr val="tx1"/>
-              </a:solidFill>
-            </a:endParaRPr>
-          </a:p>
-          <a:p>
+            <a:pPr marL="171450" indent="-171450">
+              <a:buFont typeface="Arial" panose="020B0604020202020204" pitchFamily="34" charset="0"/>
+              <a:buChar char="•"/>
+            </a:pPr>
             <a:r>
               <a:rPr lang="en-US" sz="1200" dirty="0">
                 <a:solidFill>
                   <a:schemeClr val="tx1"/>
                 </a:solidFill>
               </a:rPr>
-              <a:t>Multiple deliveries affect the delivery time.</a:t>
+              <a:t>Poor vehicle condition can increase delivery time.</a:t>
             </a:r>
           </a:p>
           <a:p>
-            <a:endParaRPr lang="en-US" sz="1400" dirty="0">
-              <a:solidFill>
-                <a:schemeClr val="tx1"/>
-              </a:solidFill>
-            </a:endParaRPr>
+            <a:pPr marL="171450" indent="-171450">
+              <a:buFont typeface="Arial" panose="020B0604020202020204" pitchFamily="34" charset="0"/>
+              <a:buChar char="•"/>
+            </a:pPr>
+            <a:r>
+              <a:rPr lang="en-US" sz="1200" dirty="0">
+                <a:solidFill>
+                  <a:schemeClr val="tx1"/>
+                </a:solidFill>
+              </a:rPr>
+              <a:t>Multiple deliveries in one trip increase average delivery time.</a:t>
+            </a:r>
           </a:p>
         </p:txBody>
       </p:sp>
@@ -19458,84 +20400,24 @@
           <a:bodyPr rtlCol="0" anchor="t" anchorCtr="0"/>
           <a:lstStyle/>
           <a:p>
-            <a:r>
-              <a:rPr lang="en-US" sz="1400" b="1" i="0" dirty="0" err="1">
-                <a:solidFill>
-                  <a:schemeClr val="tx1"/>
-                </a:solidFill>
-                <a:effectLst/>
-              </a:rPr>
-              <a:t>Time_Orderd</a:t>
-            </a:r>
-            <a:r>
-              <a:rPr lang="en-US" sz="1400" b="1" i="0" dirty="0">
-                <a:solidFill>
-                  <a:schemeClr val="tx1"/>
-                </a:solidFill>
-                <a:effectLst/>
-              </a:rPr>
-              <a:t> </a:t>
-            </a:r>
-            <a:r>
-              <a:rPr lang="en-US" sz="1400" b="1" dirty="0">
-                <a:solidFill>
-                  <a:schemeClr val="tx1"/>
-                </a:solidFill>
-              </a:rPr>
-              <a:t>: </a:t>
-            </a:r>
-          </a:p>
-          <a:p>
-            <a:r>
-              <a:rPr lang="en-US" sz="1200" b="0" i="0" dirty="0">
-                <a:solidFill>
-                  <a:schemeClr val="tx1"/>
-                </a:solidFill>
-                <a:effectLst/>
-              </a:rPr>
-              <a:t>The time frame from 5 PM to 10 PM has a longer delivery rate than average</a:t>
-            </a:r>
+            <a:pPr marL="171450" indent="-171450">
+              <a:buFont typeface="Arial" panose="020B0604020202020204" pitchFamily="34" charset="0"/>
+              <a:buChar char="•"/>
+            </a:pPr>
             <a:r>
               <a:rPr lang="en-US" sz="1200" dirty="0">
                 <a:solidFill>
                   <a:schemeClr val="tx1"/>
                 </a:solidFill>
               </a:rPr>
-              <a:t>.</a:t>
+              <a:t>Peak hours (5 PM – 10 PM) and festival periods are associated with higher delivery times due to increased demand and traffic.</a:t>
             </a:r>
           </a:p>
           <a:p>
-            <a:endParaRPr lang="en-US" sz="1400" dirty="0">
-              <a:solidFill>
-                <a:schemeClr val="tx1"/>
-              </a:solidFill>
-            </a:endParaRPr>
-          </a:p>
-          <a:p>
-            <a:r>
-              <a:rPr lang="en-US" sz="1400" b="1" i="0" dirty="0">
-                <a:solidFill>
-                  <a:schemeClr val="tx1"/>
-                </a:solidFill>
-                <a:effectLst/>
-              </a:rPr>
-              <a:t>Festival </a:t>
-            </a:r>
-            <a:r>
-              <a:rPr lang="en-US" sz="1400" b="1" dirty="0">
-                <a:solidFill>
-                  <a:schemeClr val="tx1"/>
-                </a:solidFill>
-              </a:rPr>
-              <a:t>: </a:t>
-            </a:r>
-            <a:endParaRPr lang="en-US" sz="1200" b="1" dirty="0">
-              <a:solidFill>
-                <a:schemeClr val="tx1"/>
-              </a:solidFill>
-            </a:endParaRPr>
-          </a:p>
-          <a:p>
+            <a:pPr marL="171450" indent="-171450">
+              <a:buFont typeface="Arial" panose="020B0604020202020204" pitchFamily="34" charset="0"/>
+              <a:buChar char="•"/>
+            </a:pPr>
             <a:r>
               <a:rPr lang="en-US" sz="1200" b="0" i="0" dirty="0">
                 <a:solidFill>
@@ -19577,7 +20459,7 @@
         </p:nvGrpSpPr>
         <p:grpSpPr>
           <a:xfrm>
-            <a:off x="1712353" y="4386507"/>
+            <a:off x="152115" y="4372691"/>
             <a:ext cx="2479655" cy="283031"/>
             <a:chOff x="0" y="2845191"/>
             <a:chExt cx="3873909" cy="934771"/>
@@ -19695,8 +20577,12 @@
                 <a:buNone/>
               </a:pPr>
               <a:r>
+                <a:rPr lang="en-US" sz="1400" dirty="0"/>
+                <a:t>🌦️</a:t>
+              </a:r>
+              <a:r>
                 <a:rPr lang="en-US" sz="1400" b="1" i="0" kern="1200" dirty="0"/>
-                <a:t>Weather and traffic condition</a:t>
+                <a:t>Weather and traffic</a:t>
               </a:r>
               <a:endParaRPr lang="en-US" sz="1000" kern="1200" dirty="0"/>
             </a:p>
@@ -19717,7 +20603,7 @@
         </p:nvSpPr>
         <p:spPr>
           <a:xfrm>
-            <a:off x="1712353" y="4680910"/>
+            <a:off x="152115" y="4667094"/>
             <a:ext cx="2480855" cy="2012871"/>
           </a:xfrm>
           <a:prstGeom prst="roundRect">
@@ -19743,113 +20629,31 @@
           <a:bodyPr rtlCol="0" anchor="t" anchorCtr="0"/>
           <a:lstStyle/>
           <a:p>
-            <a:r>
-              <a:rPr lang="en-US" sz="1400" b="1" i="0" dirty="0" err="1">
-                <a:solidFill>
-                  <a:schemeClr val="tx1"/>
-                </a:solidFill>
-                <a:effectLst/>
-              </a:rPr>
-              <a:t>Weather_conditions</a:t>
-            </a:r>
-            <a:r>
-              <a:rPr lang="en-US" sz="1400" b="1" i="0" dirty="0">
-                <a:solidFill>
-                  <a:schemeClr val="tx1"/>
-                </a:solidFill>
-                <a:effectLst/>
-              </a:rPr>
-              <a:t> </a:t>
-            </a:r>
-            <a:r>
-              <a:rPr lang="en-US" sz="1400" b="1" dirty="0">
-                <a:solidFill>
-                  <a:schemeClr val="tx1"/>
-                </a:solidFill>
-              </a:rPr>
-              <a:t>: </a:t>
-            </a:r>
-          </a:p>
-          <a:p>
-            <a:r>
-              <a:rPr lang="en-US" sz="1200" b="0" i="0" dirty="0">
-                <a:solidFill>
-                  <a:schemeClr val="tx1"/>
-                </a:solidFill>
-                <a:effectLst/>
-              </a:rPr>
-              <a:t>Weather conditions affect delivery time, sunny is the best</a:t>
-            </a:r>
+            <a:pPr marL="171450" indent="-171450">
+              <a:buFont typeface="Arial" panose="020B0604020202020204" pitchFamily="34" charset="0"/>
+              <a:buChar char="•"/>
+            </a:pPr>
             <a:r>
               <a:rPr lang="en-US" sz="1200" dirty="0">
                 <a:solidFill>
                   <a:schemeClr val="tx1"/>
                 </a:solidFill>
               </a:rPr>
-              <a:t>.</a:t>
+              <a:t>Good weather (sunny) leads to shorter delivery times, while foggy conditions can extend delivery duration.</a:t>
             </a:r>
           </a:p>
           <a:p>
-            <a:endParaRPr lang="en-US" sz="1200" dirty="0">
-              <a:solidFill>
-                <a:schemeClr val="tx1"/>
-              </a:solidFill>
-            </a:endParaRPr>
-          </a:p>
-          <a:p>
-            <a:r>
-              <a:rPr lang="en-US" sz="1400" b="1" i="0" dirty="0" err="1">
-                <a:solidFill>
-                  <a:schemeClr val="tx1"/>
-                </a:solidFill>
-                <a:effectLst/>
-              </a:rPr>
-              <a:t>Road_traffic_density</a:t>
-            </a:r>
-            <a:r>
-              <a:rPr lang="en-US" sz="1400" b="1" i="0" dirty="0">
-                <a:solidFill>
-                  <a:schemeClr val="tx1"/>
-                </a:solidFill>
-                <a:effectLst/>
-              </a:rPr>
-              <a:t> </a:t>
-            </a:r>
-            <a:r>
-              <a:rPr lang="en-US" sz="1400" b="1" dirty="0">
-                <a:solidFill>
-                  <a:schemeClr val="tx1"/>
-                </a:solidFill>
-              </a:rPr>
-              <a:t>: </a:t>
-            </a:r>
-            <a:r>
-              <a:rPr lang="en-US" sz="1400" b="0" i="0" dirty="0">
-                <a:solidFill>
-                  <a:schemeClr val="tx1"/>
-                </a:solidFill>
-                <a:effectLst/>
-              </a:rPr>
-              <a:t> </a:t>
-            </a:r>
-          </a:p>
-          <a:p>
-            <a:r>
-              <a:rPr lang="en-US" sz="1200" b="0" i="0" dirty="0">
-                <a:solidFill>
-                  <a:schemeClr val="tx1"/>
-                </a:solidFill>
-                <a:effectLst/>
-              </a:rPr>
-              <a:t>Road Traffic affect delivery time</a:t>
-            </a:r>
+            <a:pPr marL="171450" indent="-171450">
+              <a:buFont typeface="Arial" panose="020B0604020202020204" pitchFamily="34" charset="0"/>
+              <a:buChar char="•"/>
+            </a:pPr>
             <a:r>
               <a:rPr lang="en-US" sz="1200" dirty="0">
                 <a:solidFill>
                   <a:schemeClr val="tx1"/>
                 </a:solidFill>
               </a:rPr>
-              <a:t>.</a:t>
+              <a:t>Traffic jams slightly increase delivery times but are noteworthy.</a:t>
             </a:r>
           </a:p>
         </p:txBody>
@@ -19868,7 +20672,7 @@
         </p:nvGrpSpPr>
         <p:grpSpPr>
           <a:xfrm>
-            <a:off x="4917862" y="4386507"/>
+            <a:off x="3357624" y="4372691"/>
             <a:ext cx="2450446" cy="283032"/>
             <a:chOff x="0" y="3793111"/>
             <a:chExt cx="3873909" cy="934771"/>
@@ -19986,6 +20790,10 @@
                 <a:buNone/>
               </a:pPr>
               <a:r>
+                <a:rPr lang="en-US" sz="1400" dirty="0"/>
+                <a:t>🔴</a:t>
+              </a:r>
+              <a:r>
                 <a:rPr lang="en-US" sz="1400" b="1" i="0" kern="1200" dirty="0"/>
                 <a:t>Area</a:t>
               </a:r>
@@ -20008,7 +20816,7 @@
         </p:nvSpPr>
         <p:spPr>
           <a:xfrm>
-            <a:off x="4917862" y="4681849"/>
+            <a:off x="3357624" y="4668033"/>
             <a:ext cx="2463990" cy="2011932"/>
           </a:xfrm>
           <a:prstGeom prst="roundRect">
@@ -20034,45 +20842,334 @@
           <a:bodyPr rtlCol="0" anchor="t" anchorCtr="0"/>
           <a:lstStyle/>
           <a:p>
+            <a:pPr marL="171450" indent="-171450">
+              <a:buFont typeface="Arial" panose="020B0604020202020204" pitchFamily="34" charset="0"/>
+              <a:buChar char="•"/>
+            </a:pPr>
             <a:r>
-              <a:rPr lang="en-US" sz="1400" b="1" i="0" dirty="0">
+              <a:rPr lang="en-US" sz="1200" i="0" dirty="0">
                 <a:solidFill>
                   <a:schemeClr val="tx1"/>
                 </a:solidFill>
                 <a:effectLst/>
               </a:rPr>
-              <a:t>City </a:t>
+              <a:t>Delivery time in semi-urban areas is significantly higher than in other regions.</a:t>
             </a:r>
+          </a:p>
+          <a:p>
+            <a:pPr marL="171450" indent="-171450">
+              <a:buFont typeface="Arial" panose="020B0604020202020204" pitchFamily="34" charset="0"/>
+              <a:buChar char="•"/>
+            </a:pPr>
             <a:r>
-              <a:rPr lang="en-US" sz="1400" b="1" dirty="0">
-                <a:solidFill>
-                  <a:schemeClr val="tx1"/>
-                </a:solidFill>
-              </a:rPr>
-              <a:t>: </a:t>
-            </a:r>
-          </a:p>
-          <a:p>
-            <a:r>
-              <a:rPr lang="en-US" sz="1200" b="0" i="0" dirty="0">
+              <a:rPr lang="en-US" sz="1200" i="0" dirty="0">
                 <a:solidFill>
                   <a:schemeClr val="tx1"/>
                 </a:solidFill>
                 <a:effectLst/>
               </a:rPr>
-              <a:t>Semi-Urban have Time - Taken is so high</a:t>
+              <a:t>This may be due to more complex infrastructure or less optimized delivery routes.</a:t>
             </a:r>
+            <a:endParaRPr lang="en-US" sz="1200" dirty="0">
+              <a:solidFill>
+                <a:schemeClr val="tx1"/>
+              </a:solidFill>
+            </a:endParaRPr>
+          </a:p>
+        </p:txBody>
+      </p:sp>
+      <p:grpSp>
+        <p:nvGrpSpPr>
+          <p:cNvPr id="3" name="Nhóm 2">
+            <a:extLst>
+              <a:ext uri="{FF2B5EF4-FFF2-40B4-BE49-F238E27FC236}">
+                <a16:creationId xmlns:a16="http://schemas.microsoft.com/office/drawing/2014/main" id="{51D42E82-CF9C-F910-52C0-7064537DA207}"/>
+              </a:ext>
+            </a:extLst>
+          </p:cNvPr>
+          <p:cNvGrpSpPr/>
+          <p:nvPr/>
+        </p:nvGrpSpPr>
+        <p:grpSpPr>
+          <a:xfrm>
+            <a:off x="6511032" y="4371752"/>
+            <a:ext cx="2450446" cy="283032"/>
+            <a:chOff x="0" y="3793111"/>
+            <a:chExt cx="3873909" cy="934771"/>
+          </a:xfrm>
+        </p:grpSpPr>
+        <p:sp>
+          <p:nvSpPr>
+            <p:cNvPr id="15" name="Hình chữ nhật: Góc Tròn 14">
+              <a:extLst>
+                <a:ext uri="{FF2B5EF4-FFF2-40B4-BE49-F238E27FC236}">
+                  <a16:creationId xmlns:a16="http://schemas.microsoft.com/office/drawing/2014/main" id="{BA590417-F244-684E-786B-F2C5AA2C2EFA}"/>
+                </a:ext>
+              </a:extLst>
+            </p:cNvPr>
+            <p:cNvSpPr/>
+            <p:nvPr/>
+          </p:nvSpPr>
+          <p:spPr>
+            <a:xfrm>
+              <a:off x="0" y="3793111"/>
+              <a:ext cx="3873909" cy="934771"/>
+            </a:xfrm>
+            <a:prstGeom prst="roundRect">
+              <a:avLst/>
+            </a:prstGeom>
+          </p:spPr>
+          <p:style>
+            <a:lnRef idx="2">
+              <a:schemeClr val="lt1">
+                <a:hueOff val="0"/>
+                <a:satOff val="0"/>
+                <a:lumOff val="0"/>
+                <a:alphaOff val="0"/>
+              </a:schemeClr>
+            </a:lnRef>
+            <a:fillRef idx="1">
+              <a:schemeClr val="accent2">
+                <a:hueOff val="4681519"/>
+                <a:satOff val="-5839"/>
+                <a:lumOff val="1373"/>
+                <a:alphaOff val="0"/>
+              </a:schemeClr>
+            </a:fillRef>
+            <a:effectRef idx="0">
+              <a:schemeClr val="accent2">
+                <a:hueOff val="4681519"/>
+                <a:satOff val="-5839"/>
+                <a:lumOff val="1373"/>
+                <a:alphaOff val="0"/>
+              </a:schemeClr>
+            </a:effectRef>
+            <a:fontRef idx="minor">
+              <a:schemeClr val="lt1"/>
+            </a:fontRef>
+          </p:style>
+          <p:txBody>
+            <a:bodyPr/>
+            <a:lstStyle/>
+            <a:p>
+              <a:endParaRPr lang="en-US"/>
+            </a:p>
+          </p:txBody>
+        </p:sp>
+        <p:sp>
+          <p:nvSpPr>
+            <p:cNvPr id="16" name="Hình chữ nhật: Góc Tròn 4">
+              <a:extLst>
+                <a:ext uri="{FF2B5EF4-FFF2-40B4-BE49-F238E27FC236}">
+                  <a16:creationId xmlns:a16="http://schemas.microsoft.com/office/drawing/2014/main" id="{9B013405-1794-23F9-71A6-4993ED7A8FC1}"/>
+                </a:ext>
+              </a:extLst>
+            </p:cNvPr>
+            <p:cNvSpPr txBox="1"/>
+            <p:nvPr/>
+          </p:nvSpPr>
+          <p:spPr>
+            <a:xfrm>
+              <a:off x="45632" y="3838743"/>
+              <a:ext cx="3782645" cy="843507"/>
+            </a:xfrm>
+            <a:prstGeom prst="rect">
+              <a:avLst/>
+            </a:prstGeom>
+          </p:spPr>
+          <p:style>
+            <a:lnRef idx="0">
+              <a:scrgbClr r="0" g="0" b="0"/>
+            </a:lnRef>
+            <a:fillRef idx="0">
+              <a:scrgbClr r="0" g="0" b="0"/>
+            </a:fillRef>
+            <a:effectRef idx="0">
+              <a:scrgbClr r="0" g="0" b="0"/>
+            </a:effectRef>
+            <a:fontRef idx="minor">
+              <a:schemeClr val="lt1"/>
+            </a:fontRef>
+          </p:style>
+          <p:txBody>
+            <a:bodyPr spcFirstLastPara="0" vert="horz" wrap="square" lIns="53340" tIns="53340" rIns="53340" bIns="53340" numCol="1" spcCol="1270" anchor="ctr" anchorCtr="0">
+              <a:noAutofit/>
+            </a:bodyPr>
+            <a:lstStyle/>
+            <a:p>
+              <a:pPr marL="0" lvl="0" indent="0" algn="l" defTabSz="622300">
+                <a:lnSpc>
+                  <a:spcPct val="90000"/>
+                </a:lnSpc>
+                <a:spcBef>
+                  <a:spcPct val="0"/>
+                </a:spcBef>
+                <a:spcAft>
+                  <a:spcPct val="35000"/>
+                </a:spcAft>
+                <a:buNone/>
+              </a:pPr>
+              <a:r>
+                <a:rPr lang="en-US" sz="1400" dirty="0"/>
+                <a:t>📈</a:t>
+              </a:r>
+              <a:r>
+                <a:rPr lang="en-US" sz="1400" b="1" i="0" kern="1200" dirty="0"/>
+                <a:t>Predictive Model</a:t>
+              </a:r>
+              <a:endParaRPr lang="en-US" sz="1000" kern="1200" dirty="0"/>
+            </a:p>
+          </p:txBody>
+        </p:sp>
+      </p:grpSp>
+      <p:sp>
+        <p:nvSpPr>
+          <p:cNvPr id="17" name="Hình chữ nhật: Góc Tròn 16">
+            <a:extLst>
+              <a:ext uri="{FF2B5EF4-FFF2-40B4-BE49-F238E27FC236}">
+                <a16:creationId xmlns:a16="http://schemas.microsoft.com/office/drawing/2014/main" id="{1E9D6FD1-4E23-16AB-3FED-1B19500868D9}"/>
+              </a:ext>
+            </a:extLst>
+          </p:cNvPr>
+          <p:cNvSpPr/>
+          <p:nvPr/>
+        </p:nvSpPr>
+        <p:spPr>
+          <a:xfrm>
+            <a:off x="6511032" y="4667094"/>
+            <a:ext cx="2463990" cy="2011932"/>
+          </a:xfrm>
+          <a:prstGeom prst="roundRect">
+            <a:avLst/>
+          </a:prstGeom>
+          <a:noFill/>
+        </p:spPr>
+        <p:style>
+          <a:lnRef idx="1">
+            <a:schemeClr val="accent1"/>
+          </a:lnRef>
+          <a:fillRef idx="3">
+            <a:schemeClr val="accent1"/>
+          </a:fillRef>
+          <a:effectRef idx="2">
+            <a:schemeClr val="accent1"/>
+          </a:effectRef>
+          <a:fontRef idx="minor">
+            <a:schemeClr val="lt1"/>
+          </a:fontRef>
+        </p:style>
+        <p:txBody>
+          <a:bodyPr rtlCol="0" anchor="t" anchorCtr="0"/>
+          <a:lstStyle/>
+          <a:p>
             <a:r>
-              <a:rPr lang="en-US" sz="1200" dirty="0">
+              <a:rPr lang="en-US" sz="1200" i="0" dirty="0">
                 <a:solidFill>
                   <a:schemeClr val="tx1"/>
                 </a:solidFill>
+                <a:effectLst/>
               </a:rPr>
-              <a:t>.</a:t>
+              <a:t>Key factors influencing delivery time:</a:t>
             </a:r>
           </a:p>
           <a:p>
-            <a:endParaRPr lang="en-US" sz="1400" dirty="0">
+            <a:r>
+              <a:rPr lang="en-US" sz="1200" i="0" dirty="0">
+                <a:solidFill>
+                  <a:schemeClr val="tx1"/>
+                </a:solidFill>
+                <a:effectLst/>
+              </a:rPr>
+              <a:t>✔️ </a:t>
+            </a:r>
+            <a:r>
+              <a:rPr lang="en-US" sz="1200" i="0" dirty="0" err="1">
+                <a:solidFill>
+                  <a:schemeClr val="tx1"/>
+                </a:solidFill>
+                <a:effectLst/>
+              </a:rPr>
+              <a:t>Delivery_location_longitude</a:t>
+            </a:r>
+            <a:r>
+              <a:rPr lang="en-US" sz="1200" i="0" dirty="0">
+                <a:solidFill>
+                  <a:schemeClr val="tx1"/>
+                </a:solidFill>
+                <a:effectLst/>
+              </a:rPr>
+              <a:t> (farther longitude points increase time)</a:t>
+            </a:r>
+          </a:p>
+          <a:p>
+            <a:r>
+              <a:rPr lang="en-US" sz="1200" i="0" dirty="0">
+                <a:solidFill>
+                  <a:schemeClr val="tx1"/>
+                </a:solidFill>
+                <a:effectLst/>
+              </a:rPr>
+              <a:t>✔️ </a:t>
+            </a:r>
+            <a:r>
+              <a:rPr lang="en-US" sz="1200" i="0" dirty="0" err="1">
+                <a:solidFill>
+                  <a:schemeClr val="tx1"/>
+                </a:solidFill>
+                <a:effectLst/>
+              </a:rPr>
+              <a:t>City_Semi</a:t>
+            </a:r>
+            <a:r>
+              <a:rPr lang="en-US" sz="1200" i="0" dirty="0">
+                <a:solidFill>
+                  <a:schemeClr val="tx1"/>
+                </a:solidFill>
+                <a:effectLst/>
+              </a:rPr>
+              <a:t>-Urban (semi-urban areas)</a:t>
+            </a:r>
+          </a:p>
+          <a:p>
+            <a:r>
+              <a:rPr lang="en-US" sz="1200" i="0" dirty="0">
+                <a:solidFill>
+                  <a:schemeClr val="tx1"/>
+                </a:solidFill>
+                <a:effectLst/>
+              </a:rPr>
+              <a:t>✔️ Festival (during festivals)</a:t>
+            </a:r>
+          </a:p>
+          <a:p>
+            <a:r>
+              <a:rPr lang="en-US" sz="1200" i="0" dirty="0">
+                <a:solidFill>
+                  <a:schemeClr val="tx1"/>
+                </a:solidFill>
+                <a:effectLst/>
+              </a:rPr>
+              <a:t>✔️ </a:t>
+            </a:r>
+            <a:r>
+              <a:rPr lang="en-US" sz="1200" i="0" dirty="0" err="1">
+                <a:solidFill>
+                  <a:schemeClr val="tx1"/>
+                </a:solidFill>
+                <a:effectLst/>
+              </a:rPr>
+              <a:t>multiple_deliveries</a:t>
+            </a:r>
+            <a:r>
+              <a:rPr lang="en-US" sz="1200" i="0" dirty="0">
+                <a:solidFill>
+                  <a:schemeClr val="tx1"/>
+                </a:solidFill>
+                <a:effectLst/>
+              </a:rPr>
+              <a:t> (multiple orders per trip)</a:t>
+            </a:r>
+            <a:endParaRPr lang="en-US" sz="1200" dirty="0">
               <a:solidFill>
                 <a:schemeClr val="tx1"/>
               </a:solidFill>
@@ -20093,7 +21190,7 @@
 </p:sld>
 </file>
 
-<file path=ppt/slides/slide16.xml><?xml version="1.0" encoding="utf-8"?>
+<file path=ppt/slides/slide17.xml><?xml version="1.0" encoding="utf-8"?>
 <p:sld xmlns:a="http://schemas.openxmlformats.org/drawingml/2006/main" xmlns:r="http://schemas.openxmlformats.org/officeDocument/2006/relationships" xmlns:p="http://schemas.openxmlformats.org/presentationml/2006/main">
   <p:cSld>
     <p:bg>
@@ -20473,857 +21570,294 @@
           </a:p>
         </p:txBody>
       </p:sp>
-      <p:grpSp>
-        <p:nvGrpSpPr>
-          <p:cNvPr id="4" name="Nhóm 3">
+      <p:sp>
+        <p:nvSpPr>
+          <p:cNvPr id="5" name="Hộp Văn bản 4">
             <a:extLst>
               <a:ext uri="{FF2B5EF4-FFF2-40B4-BE49-F238E27FC236}">
-                <a16:creationId xmlns:a16="http://schemas.microsoft.com/office/drawing/2014/main" id="{1E09FF15-AF24-D208-9083-DFE5CED50A0B}"/>
+                <a16:creationId xmlns:a16="http://schemas.microsoft.com/office/drawing/2014/main" id="{8628E162-F479-1F4E-9DC5-F7248A1E8885}"/>
               </a:ext>
             </a:extLst>
           </p:cNvPr>
-          <p:cNvGrpSpPr/>
-          <p:nvPr/>
-        </p:nvGrpSpPr>
-        <p:grpSpPr>
-          <a:xfrm>
-            <a:off x="121344" y="1739682"/>
-            <a:ext cx="2510426" cy="319088"/>
-            <a:chOff x="0" y="1431"/>
-            <a:chExt cx="3873909" cy="934771"/>
-          </a:xfrm>
-        </p:grpSpPr>
-        <p:sp>
-          <p:nvSpPr>
-            <p:cNvPr id="5" name="Hình chữ nhật: Góc Tròn 4">
-              <a:extLst>
-                <a:ext uri="{FF2B5EF4-FFF2-40B4-BE49-F238E27FC236}">
-                  <a16:creationId xmlns:a16="http://schemas.microsoft.com/office/drawing/2014/main" id="{7F3F977C-AD7A-F84D-96CE-97DD22FE7495}"/>
-                </a:ext>
-              </a:extLst>
-            </p:cNvPr>
-            <p:cNvSpPr/>
-            <p:nvPr/>
-          </p:nvSpPr>
-          <p:spPr>
-            <a:xfrm>
-              <a:off x="0" y="1431"/>
-              <a:ext cx="3873909" cy="934771"/>
-            </a:xfrm>
-            <a:prstGeom prst="roundRect">
-              <a:avLst/>
-            </a:prstGeom>
-          </p:spPr>
-          <p:style>
-            <a:lnRef idx="2">
-              <a:schemeClr val="lt1">
-                <a:hueOff val="0"/>
-                <a:satOff val="0"/>
-                <a:lumOff val="0"/>
-                <a:alphaOff val="0"/>
-              </a:schemeClr>
-            </a:lnRef>
-            <a:fillRef idx="1">
-              <a:schemeClr val="accent2">
-                <a:hueOff val="0"/>
-                <a:satOff val="0"/>
-                <a:lumOff val="0"/>
-                <a:alphaOff val="0"/>
-              </a:schemeClr>
-            </a:fillRef>
-            <a:effectRef idx="0">
-              <a:schemeClr val="accent2">
-                <a:hueOff val="0"/>
-                <a:satOff val="0"/>
-                <a:lumOff val="0"/>
-                <a:alphaOff val="0"/>
-              </a:schemeClr>
-            </a:effectRef>
-            <a:fontRef idx="minor">
-              <a:schemeClr val="lt1"/>
-            </a:fontRef>
-          </p:style>
-          <p:txBody>
-            <a:bodyPr/>
-            <a:lstStyle/>
-            <a:p>
-              <a:endParaRPr lang="en-US"/>
-            </a:p>
-          </p:txBody>
-        </p:sp>
-        <p:sp>
-          <p:nvSpPr>
-            <p:cNvPr id="6" name="Hình chữ nhật: Góc Tròn 4">
-              <a:extLst>
-                <a:ext uri="{FF2B5EF4-FFF2-40B4-BE49-F238E27FC236}">
-                  <a16:creationId xmlns:a16="http://schemas.microsoft.com/office/drawing/2014/main" id="{30558FD6-F5A3-B957-9249-B4A018D5A597}"/>
-                </a:ext>
-              </a:extLst>
-            </p:cNvPr>
-            <p:cNvSpPr txBox="1"/>
-            <p:nvPr/>
-          </p:nvSpPr>
-          <p:spPr>
-            <a:xfrm>
-              <a:off x="45632" y="47064"/>
-              <a:ext cx="3782645" cy="889138"/>
-            </a:xfrm>
-            <a:prstGeom prst="rect">
-              <a:avLst/>
-            </a:prstGeom>
-          </p:spPr>
-          <p:style>
-            <a:lnRef idx="0">
-              <a:scrgbClr r="0" g="0" b="0"/>
-            </a:lnRef>
-            <a:fillRef idx="0">
-              <a:scrgbClr r="0" g="0" b="0"/>
-            </a:fillRef>
-            <a:effectRef idx="0">
-              <a:scrgbClr r="0" g="0" b="0"/>
-            </a:effectRef>
-            <a:fontRef idx="minor">
-              <a:schemeClr val="lt1"/>
-            </a:fontRef>
-          </p:style>
-          <p:txBody>
-            <a:bodyPr spcFirstLastPara="0" vert="horz" wrap="square" lIns="53340" tIns="53340" rIns="53340" bIns="53340" numCol="1" spcCol="1270" anchor="ctr" anchorCtr="0">
-              <a:noAutofit/>
-            </a:bodyPr>
-            <a:lstStyle/>
-            <a:p>
-              <a:pPr marL="0" lvl="0" indent="0" algn="l" defTabSz="622300">
-                <a:lnSpc>
-                  <a:spcPct val="90000"/>
-                </a:lnSpc>
-                <a:spcBef>
-                  <a:spcPct val="0"/>
-                </a:spcBef>
-                <a:spcAft>
-                  <a:spcPct val="35000"/>
-                </a:spcAft>
-                <a:buNone/>
-              </a:pPr>
-              <a:r>
-                <a:rPr lang="en-US" sz="1400" b="1" i="0" kern="1200" dirty="0">
-                  <a:effectLst/>
-                </a:rPr>
-                <a:t>Delivery staff</a:t>
-              </a:r>
-              <a:endParaRPr lang="en-US" sz="1000" kern="1200" dirty="0"/>
-            </a:p>
-          </p:txBody>
-        </p:sp>
-      </p:grpSp>
-      <p:grpSp>
-        <p:nvGrpSpPr>
-          <p:cNvPr id="7" name="Nhóm 6">
-            <a:extLst>
-              <a:ext uri="{FF2B5EF4-FFF2-40B4-BE49-F238E27FC236}">
-                <a16:creationId xmlns:a16="http://schemas.microsoft.com/office/drawing/2014/main" id="{2170C365-F405-8A3D-FA02-D64E7BBD7C38}"/>
-              </a:ext>
-            </a:extLst>
-          </p:cNvPr>
-          <p:cNvGrpSpPr/>
-          <p:nvPr/>
-        </p:nvGrpSpPr>
-        <p:grpSpPr>
-          <a:xfrm>
-            <a:off x="3327053" y="1755259"/>
-            <a:ext cx="2493360" cy="303512"/>
-            <a:chOff x="0" y="949351"/>
-            <a:chExt cx="3873909" cy="934771"/>
-          </a:xfrm>
-        </p:grpSpPr>
-        <p:sp>
-          <p:nvSpPr>
-            <p:cNvPr id="8" name="Hình chữ nhật: Góc Tròn 7">
-              <a:extLst>
-                <a:ext uri="{FF2B5EF4-FFF2-40B4-BE49-F238E27FC236}">
-                  <a16:creationId xmlns:a16="http://schemas.microsoft.com/office/drawing/2014/main" id="{900CEE84-B298-22EC-B455-8672F0CFA15E}"/>
-                </a:ext>
-              </a:extLst>
-            </p:cNvPr>
-            <p:cNvSpPr/>
-            <p:nvPr/>
-          </p:nvSpPr>
-          <p:spPr>
-            <a:xfrm>
-              <a:off x="0" y="949351"/>
-              <a:ext cx="3873909" cy="934771"/>
-            </a:xfrm>
-            <a:prstGeom prst="roundRect">
-              <a:avLst/>
-            </a:prstGeom>
-          </p:spPr>
-          <p:style>
-            <a:lnRef idx="2">
-              <a:schemeClr val="lt1">
-                <a:hueOff val="0"/>
-                <a:satOff val="0"/>
-                <a:lumOff val="0"/>
-                <a:alphaOff val="0"/>
-              </a:schemeClr>
-            </a:lnRef>
-            <a:fillRef idx="1">
-              <a:schemeClr val="accent2">
-                <a:hueOff val="1170380"/>
-                <a:satOff val="-1460"/>
-                <a:lumOff val="343"/>
-                <a:alphaOff val="0"/>
-              </a:schemeClr>
-            </a:fillRef>
-            <a:effectRef idx="0">
-              <a:schemeClr val="accent2">
-                <a:hueOff val="1170380"/>
-                <a:satOff val="-1460"/>
-                <a:lumOff val="343"/>
-                <a:alphaOff val="0"/>
-              </a:schemeClr>
-            </a:effectRef>
-            <a:fontRef idx="minor">
-              <a:schemeClr val="lt1"/>
-            </a:fontRef>
-          </p:style>
-          <p:txBody>
-            <a:bodyPr/>
-            <a:lstStyle/>
-            <a:p>
-              <a:endParaRPr lang="en-US"/>
-            </a:p>
-          </p:txBody>
-        </p:sp>
-        <p:sp>
-          <p:nvSpPr>
-            <p:cNvPr id="9" name="Hình chữ nhật: Góc Tròn 4">
-              <a:extLst>
-                <a:ext uri="{FF2B5EF4-FFF2-40B4-BE49-F238E27FC236}">
-                  <a16:creationId xmlns:a16="http://schemas.microsoft.com/office/drawing/2014/main" id="{C10A91A3-CD8F-7E04-F597-5619BA70CE9D}"/>
-                </a:ext>
-              </a:extLst>
-            </p:cNvPr>
-            <p:cNvSpPr txBox="1"/>
-            <p:nvPr/>
-          </p:nvSpPr>
-          <p:spPr>
-            <a:xfrm>
-              <a:off x="45632" y="994983"/>
-              <a:ext cx="3782645" cy="843507"/>
-            </a:xfrm>
-            <a:prstGeom prst="rect">
-              <a:avLst/>
-            </a:prstGeom>
-          </p:spPr>
-          <p:style>
-            <a:lnRef idx="0">
-              <a:scrgbClr r="0" g="0" b="0"/>
-            </a:lnRef>
-            <a:fillRef idx="0">
-              <a:scrgbClr r="0" g="0" b="0"/>
-            </a:fillRef>
-            <a:effectRef idx="0">
-              <a:scrgbClr r="0" g="0" b="0"/>
-            </a:effectRef>
-            <a:fontRef idx="minor">
-              <a:schemeClr val="lt1"/>
-            </a:fontRef>
-          </p:style>
-          <p:txBody>
-            <a:bodyPr spcFirstLastPara="0" vert="horz" wrap="square" lIns="53340" tIns="53340" rIns="53340" bIns="53340" numCol="1" spcCol="1270" anchor="ctr" anchorCtr="0">
-              <a:noAutofit/>
-            </a:bodyPr>
-            <a:lstStyle/>
-            <a:p>
-              <a:pPr marL="0" lvl="0" indent="0" algn="l" defTabSz="622300">
-                <a:lnSpc>
-                  <a:spcPct val="90000"/>
-                </a:lnSpc>
-                <a:spcBef>
-                  <a:spcPct val="0"/>
-                </a:spcBef>
-                <a:spcAft>
-                  <a:spcPct val="35000"/>
-                </a:spcAft>
-                <a:buNone/>
-              </a:pPr>
-              <a:r>
-                <a:rPr lang="en-US" sz="1400" b="1" kern="1200" dirty="0"/>
-                <a:t>V</a:t>
-              </a:r>
-              <a:r>
-                <a:rPr lang="en-US" sz="1400" b="1" i="0" kern="1200" dirty="0"/>
-                <a:t>ehicles</a:t>
-              </a:r>
-              <a:endParaRPr lang="en-US" sz="1000" kern="1200" dirty="0"/>
-            </a:p>
-          </p:txBody>
-        </p:sp>
-      </p:grpSp>
-      <p:grpSp>
-        <p:nvGrpSpPr>
-          <p:cNvPr id="10" name="Nhóm 9">
-            <a:extLst>
-              <a:ext uri="{FF2B5EF4-FFF2-40B4-BE49-F238E27FC236}">
-                <a16:creationId xmlns:a16="http://schemas.microsoft.com/office/drawing/2014/main" id="{34B74AD2-711F-5724-9602-95FCCB0B2785}"/>
-              </a:ext>
-            </a:extLst>
-          </p:cNvPr>
-          <p:cNvGrpSpPr/>
-          <p:nvPr/>
-        </p:nvGrpSpPr>
-        <p:grpSpPr>
-          <a:xfrm>
-            <a:off x="6515696" y="1755259"/>
-            <a:ext cx="2476495" cy="283031"/>
-            <a:chOff x="0" y="1897271"/>
-            <a:chExt cx="3873909" cy="934771"/>
-          </a:xfrm>
-        </p:grpSpPr>
-        <p:sp>
-          <p:nvSpPr>
-            <p:cNvPr id="11" name="Hình chữ nhật: Góc Tròn 10">
-              <a:extLst>
-                <a:ext uri="{FF2B5EF4-FFF2-40B4-BE49-F238E27FC236}">
-                  <a16:creationId xmlns:a16="http://schemas.microsoft.com/office/drawing/2014/main" id="{0D63C48C-5B39-A001-79E5-55DF36F356BF}"/>
-                </a:ext>
-              </a:extLst>
-            </p:cNvPr>
-            <p:cNvSpPr/>
-            <p:nvPr/>
-          </p:nvSpPr>
-          <p:spPr>
-            <a:xfrm>
-              <a:off x="0" y="1897271"/>
-              <a:ext cx="3873909" cy="934771"/>
-            </a:xfrm>
-            <a:prstGeom prst="roundRect">
-              <a:avLst/>
-            </a:prstGeom>
-          </p:spPr>
-          <p:style>
-            <a:lnRef idx="2">
-              <a:schemeClr val="lt1">
-                <a:hueOff val="0"/>
-                <a:satOff val="0"/>
-                <a:lumOff val="0"/>
-                <a:alphaOff val="0"/>
-              </a:schemeClr>
-            </a:lnRef>
-            <a:fillRef idx="1">
-              <a:schemeClr val="accent2">
-                <a:hueOff val="2340759"/>
-                <a:satOff val="-2919"/>
-                <a:lumOff val="686"/>
-                <a:alphaOff val="0"/>
-              </a:schemeClr>
-            </a:fillRef>
-            <a:effectRef idx="0">
-              <a:schemeClr val="accent2">
-                <a:hueOff val="2340759"/>
-                <a:satOff val="-2919"/>
-                <a:lumOff val="686"/>
-                <a:alphaOff val="0"/>
-              </a:schemeClr>
-            </a:effectRef>
-            <a:fontRef idx="minor">
-              <a:schemeClr val="lt1"/>
-            </a:fontRef>
-          </p:style>
-          <p:txBody>
-            <a:bodyPr/>
-            <a:lstStyle/>
-            <a:p>
-              <a:endParaRPr lang="en-US"/>
-            </a:p>
-          </p:txBody>
-        </p:sp>
-        <p:sp>
-          <p:nvSpPr>
-            <p:cNvPr id="12" name="Hình chữ nhật: Góc Tròn 4">
-              <a:extLst>
-                <a:ext uri="{FF2B5EF4-FFF2-40B4-BE49-F238E27FC236}">
-                  <a16:creationId xmlns:a16="http://schemas.microsoft.com/office/drawing/2014/main" id="{32993085-F163-9E17-8A2A-DFB7D03AA59C}"/>
-                </a:ext>
-              </a:extLst>
-            </p:cNvPr>
-            <p:cNvSpPr txBox="1"/>
-            <p:nvPr/>
-          </p:nvSpPr>
-          <p:spPr>
-            <a:xfrm>
-              <a:off x="45632" y="1942903"/>
-              <a:ext cx="3782645" cy="843507"/>
-            </a:xfrm>
-            <a:prstGeom prst="rect">
-              <a:avLst/>
-            </a:prstGeom>
-          </p:spPr>
-          <p:style>
-            <a:lnRef idx="0">
-              <a:scrgbClr r="0" g="0" b="0"/>
-            </a:lnRef>
-            <a:fillRef idx="0">
-              <a:scrgbClr r="0" g="0" b="0"/>
-            </a:fillRef>
-            <a:effectRef idx="0">
-              <a:scrgbClr r="0" g="0" b="0"/>
-            </a:effectRef>
-            <a:fontRef idx="minor">
-              <a:schemeClr val="lt1"/>
-            </a:fontRef>
-          </p:style>
-          <p:txBody>
-            <a:bodyPr spcFirstLastPara="0" vert="horz" wrap="square" lIns="53340" tIns="53340" rIns="53340" bIns="53340" numCol="1" spcCol="1270" anchor="ctr" anchorCtr="0">
-              <a:noAutofit/>
-            </a:bodyPr>
-            <a:lstStyle/>
-            <a:p>
-              <a:pPr marL="0" lvl="0" indent="0" algn="l" defTabSz="622300">
-                <a:lnSpc>
-                  <a:spcPct val="90000"/>
-                </a:lnSpc>
-                <a:spcBef>
-                  <a:spcPct val="0"/>
-                </a:spcBef>
-                <a:spcAft>
-                  <a:spcPct val="35000"/>
-                </a:spcAft>
-                <a:buNone/>
-              </a:pPr>
-              <a:r>
-                <a:rPr lang="en-US" sz="1400" b="1" i="0" kern="1200" dirty="0"/>
-                <a:t>Order timing</a:t>
-              </a:r>
-              <a:endParaRPr lang="en-US" sz="1000" kern="1200" dirty="0"/>
-            </a:p>
-          </p:txBody>
-        </p:sp>
-      </p:grpSp>
-      <p:sp>
-        <p:nvSpPr>
-          <p:cNvPr id="13" name="Hình chữ nhật: Góc Tròn 12">
-            <a:extLst>
-              <a:ext uri="{FF2B5EF4-FFF2-40B4-BE49-F238E27FC236}">
-                <a16:creationId xmlns:a16="http://schemas.microsoft.com/office/drawing/2014/main" id="{30F84618-5375-58A8-B1F8-41FF83C0A5D7}"/>
-              </a:ext>
-            </a:extLst>
-          </p:cNvPr>
-          <p:cNvSpPr/>
+          <p:cNvSpPr txBox="1"/>
           <p:nvPr/>
         </p:nvSpPr>
         <p:spPr>
           <a:xfrm>
-            <a:off x="150915" y="2070142"/>
-            <a:ext cx="2480855" cy="4526363"/>
+            <a:off x="363794" y="1600398"/>
+            <a:ext cx="8465574" cy="5262979"/>
           </a:xfrm>
-          <a:prstGeom prst="roundRect">
+          <a:prstGeom prst="rect">
             <a:avLst/>
           </a:prstGeom>
           <a:noFill/>
         </p:spPr>
-        <p:style>
-          <a:lnRef idx="1">
-            <a:schemeClr val="accent1"/>
-          </a:lnRef>
-          <a:fillRef idx="3">
-            <a:schemeClr val="accent1"/>
-          </a:fillRef>
-          <a:effectRef idx="2">
-            <a:schemeClr val="accent1"/>
-          </a:effectRef>
-          <a:fontRef idx="minor">
-            <a:schemeClr val="lt1"/>
-          </a:fontRef>
-        </p:style>
         <p:txBody>
-          <a:bodyPr rtlCol="0" anchor="t" anchorCtr="0"/>
+          <a:bodyPr wrap="square">
+            <a:spAutoFit/>
+          </a:bodyPr>
           <a:lstStyle/>
           <a:p>
+            <a:pPr>
+              <a:buNone/>
+            </a:pPr>
             <a:r>
-              <a:rPr lang="en-US" sz="1400" b="1" dirty="0" err="1">
-                <a:solidFill>
-                  <a:schemeClr val="tx1"/>
-                </a:solidFill>
-              </a:rPr>
-              <a:t>Delivery_person_Age</a:t>
+              <a:rPr lang="en-US" sz="1200" b="1" dirty="0"/>
+              <a:t>📈 Staff &amp; Training</a:t>
             </a:r>
-            <a:r>
-              <a:rPr lang="en-US" sz="1400" b="1" dirty="0">
-                <a:solidFill>
-                  <a:schemeClr val="tx1"/>
-                </a:solidFill>
-              </a:rPr>
-              <a:t>:</a:t>
-            </a:r>
-          </a:p>
-          <a:p>
-            <a:endParaRPr lang="en-US" sz="1400" b="1" dirty="0">
-              <a:solidFill>
-                <a:schemeClr val="tx1"/>
-              </a:solidFill>
-            </a:endParaRPr>
-          </a:p>
-          <a:p>
-            <a:pPr marL="285750" indent="-285750">
+          </a:p>
+          <a:p>
+            <a:pPr>
               <a:buFont typeface="Arial" panose="020B0604020202020204" pitchFamily="34" charset="0"/>
               <a:buChar char="•"/>
             </a:pPr>
             <a:r>
-              <a:rPr lang="en-US" sz="1200" dirty="0">
-                <a:solidFill>
-                  <a:schemeClr val="tx1"/>
-                </a:solidFill>
-              </a:rPr>
-              <a:t>Prioritize recruiting younger delivery personnel (under 28 years old) or conduct training programs focused on improving delivery speed for older staff.</a:t>
+              <a:rPr lang="en-US" sz="1200" dirty="0"/>
+              <a:t>Prioritize recruiting younger delivery personnel (under 28) or provide targeted training for older staff to improve delivery speed.</a:t>
             </a:r>
           </a:p>
           <a:p>
-            <a:endParaRPr lang="en-US" sz="1400" dirty="0">
-              <a:solidFill>
-                <a:schemeClr val="tx1"/>
-              </a:solidFill>
-            </a:endParaRPr>
-          </a:p>
-          <a:p>
-            <a:r>
-              <a:rPr lang="en-US" sz="1400" b="1" dirty="0" err="1">
-                <a:solidFill>
-                  <a:schemeClr val="tx1"/>
-                </a:solidFill>
-              </a:rPr>
-              <a:t>Delivery_person_Ratings</a:t>
-            </a:r>
-            <a:r>
-              <a:rPr lang="en-US" sz="1400" b="1" dirty="0">
-                <a:solidFill>
-                  <a:schemeClr val="tx1"/>
-                </a:solidFill>
-              </a:rPr>
-              <a:t>: </a:t>
-            </a:r>
-          </a:p>
-          <a:p>
-            <a:endParaRPr lang="en-US" sz="1400" b="1" dirty="0">
-              <a:solidFill>
-                <a:schemeClr val="tx1"/>
-              </a:solidFill>
-            </a:endParaRPr>
-          </a:p>
-          <a:p>
-            <a:pPr marL="285750" indent="-285750">
+            <a:pPr>
               <a:buFont typeface="Arial" panose="020B0604020202020204" pitchFamily="34" charset="0"/>
               <a:buChar char="•"/>
             </a:pPr>
             <a:r>
-              <a:rPr lang="en-US" sz="1200" dirty="0">
-                <a:solidFill>
-                  <a:schemeClr val="tx1"/>
-                </a:solidFill>
-              </a:rPr>
-              <a:t>Introduce performance-based incentives tied to high customer ratings.</a:t>
+              <a:rPr lang="en-US" sz="1200" dirty="0"/>
+              <a:t>Implement performance-based incentives tied to high customer ratings.</a:t>
             </a:r>
           </a:p>
-        </p:txBody>
-      </p:sp>
-      <p:sp>
-        <p:nvSpPr>
-          <p:cNvPr id="14" name="Hình chữ nhật: Góc Tròn 13">
-            <a:extLst>
-              <a:ext uri="{FF2B5EF4-FFF2-40B4-BE49-F238E27FC236}">
-                <a16:creationId xmlns:a16="http://schemas.microsoft.com/office/drawing/2014/main" id="{BFD107E5-573E-76DA-BD30-46D83C06AFB7}"/>
-              </a:ext>
-            </a:extLst>
-          </p:cNvPr>
-          <p:cNvSpPr/>
-          <p:nvPr/>
-        </p:nvSpPr>
-        <p:spPr>
-          <a:xfrm>
-            <a:off x="3356424" y="2071081"/>
-            <a:ext cx="2463990" cy="4526364"/>
-          </a:xfrm>
-          <a:prstGeom prst="roundRect">
-            <a:avLst/>
-          </a:prstGeom>
-          <a:noFill/>
-        </p:spPr>
-        <p:style>
-          <a:lnRef idx="1">
-            <a:schemeClr val="accent1"/>
-          </a:lnRef>
-          <a:fillRef idx="3">
-            <a:schemeClr val="accent1"/>
-          </a:fillRef>
-          <a:effectRef idx="2">
-            <a:schemeClr val="accent1"/>
-          </a:effectRef>
-          <a:fontRef idx="minor">
-            <a:schemeClr val="lt1"/>
-          </a:fontRef>
-        </p:style>
-        <p:txBody>
-          <a:bodyPr rtlCol="0" anchor="t" anchorCtr="0"/>
-          <a:lstStyle/>
-          <a:p>
+          <a:p>
+            <a:pPr>
+              <a:buFont typeface="Arial" panose="020B0604020202020204" pitchFamily="34" charset="0"/>
+              <a:buChar char="•"/>
+            </a:pPr>
+            <a:endParaRPr lang="en-US" sz="1200" dirty="0"/>
+          </a:p>
+          <a:p>
+            <a:pPr>
+              <a:buNone/>
+            </a:pPr>
             <a:r>
-              <a:rPr lang="en-US" sz="1400" b="1" dirty="0" err="1">
-                <a:solidFill>
-                  <a:schemeClr val="tx1"/>
-                </a:solidFill>
-              </a:rPr>
-              <a:t>Vehicle_condition</a:t>
+              <a:rPr lang="en-US" sz="1200" b="1" dirty="0"/>
+              <a:t>🚚 Vehicles &amp; Maintenance</a:t>
             </a:r>
-            <a:r>
-              <a:rPr lang="en-US" sz="1400" b="1" dirty="0">
-                <a:solidFill>
-                  <a:schemeClr val="tx1"/>
-                </a:solidFill>
-              </a:rPr>
-              <a:t>:</a:t>
-            </a:r>
-          </a:p>
-          <a:p>
-            <a:endParaRPr lang="en-US" sz="1400" b="1" dirty="0">
-              <a:solidFill>
-                <a:schemeClr val="tx1"/>
-              </a:solidFill>
-            </a:endParaRPr>
-          </a:p>
-          <a:p>
-            <a:pPr marL="285750" indent="-285750">
+          </a:p>
+          <a:p>
+            <a:pPr>
               <a:buFont typeface="Arial" panose="020B0604020202020204" pitchFamily="34" charset="0"/>
               <a:buChar char="•"/>
             </a:pPr>
             <a:r>
-              <a:rPr lang="en-US" sz="1200" dirty="0">
-                <a:solidFill>
-                  <a:schemeClr val="tx1"/>
-                </a:solidFill>
-              </a:rPr>
-              <a:t>Implement mandatory regular maintenance for all delivery vehicles, particularly those with poor condition scores (0 or 1).</a:t>
+              <a:rPr lang="en-US" sz="1200" dirty="0"/>
+              <a:t>Enforce regular maintenance for all vehicles, especially those with poor condition scores.</a:t>
             </a:r>
-            <a:r>
-              <a:rPr lang="en-US" sz="1200" b="1" dirty="0">
-                <a:solidFill>
-                  <a:schemeClr val="tx1"/>
-                </a:solidFill>
-              </a:rPr>
-              <a:t> </a:t>
-            </a:r>
-          </a:p>
-          <a:p>
-            <a:pPr marL="285750" indent="-285750">
+          </a:p>
+          <a:p>
+            <a:pPr>
               <a:buFont typeface="Arial" panose="020B0604020202020204" pitchFamily="34" charset="0"/>
               <a:buChar char="•"/>
             </a:pPr>
             <a:r>
-              <a:rPr lang="en-US" sz="1200" dirty="0">
-                <a:solidFill>
-                  <a:schemeClr val="tx1"/>
-                </a:solidFill>
-              </a:rPr>
-              <a:t>Introduce incentive policies for drivers to use newer or better-maintained vehicles, boosting overall delivery performance.</a:t>
+              <a:rPr lang="en-US" sz="1200" dirty="0"/>
+              <a:t>Offer incentives for drivers to use newer or well-maintained vehicles.</a:t>
             </a:r>
           </a:p>
           <a:p>
-            <a:endParaRPr lang="en-US" sz="1400" dirty="0">
-              <a:solidFill>
-                <a:schemeClr val="tx1"/>
-              </a:solidFill>
-            </a:endParaRPr>
-          </a:p>
-          <a:p>
+            <a:endParaRPr lang="en-US" sz="1200" dirty="0"/>
+          </a:p>
+          <a:p>
+            <a:pPr>
+              <a:buNone/>
+            </a:pPr>
             <a:r>
-              <a:rPr lang="en-US" sz="1400" b="1" dirty="0" err="1">
-                <a:solidFill>
-                  <a:schemeClr val="tx1"/>
-                </a:solidFill>
-              </a:rPr>
-              <a:t>Multiple_deliveries</a:t>
+              <a:rPr lang="en-US" sz="1200" b="1" dirty="0"/>
+              <a:t>📦 Order Management</a:t>
             </a:r>
-            <a:r>
-              <a:rPr lang="en-US" sz="1400" b="1" dirty="0">
-                <a:solidFill>
-                  <a:schemeClr val="tx1"/>
-                </a:solidFill>
-              </a:rPr>
-              <a:t>: </a:t>
-            </a:r>
-          </a:p>
-          <a:p>
-            <a:endParaRPr lang="en-US" sz="1400" b="1" dirty="0">
-              <a:solidFill>
-                <a:schemeClr val="tx1"/>
-              </a:solidFill>
-            </a:endParaRPr>
-          </a:p>
-          <a:p>
-            <a:pPr marL="285750" indent="-285750">
+          </a:p>
+          <a:p>
+            <a:pPr>
               <a:buFont typeface="Arial" panose="020B0604020202020204" pitchFamily="34" charset="0"/>
               <a:buChar char="•"/>
             </a:pPr>
             <a:r>
-              <a:rPr lang="en-US" sz="1200" dirty="0">
-                <a:solidFill>
-                  <a:schemeClr val="tx1"/>
-                </a:solidFill>
-              </a:rPr>
-              <a:t>Limit the number of orders per trip when route optimization is not feasible.</a:t>
+              <a:rPr lang="en-US" sz="1200" dirty="0"/>
+              <a:t>Limit the number of multiple deliveries per trip to avoid delays.</a:t>
             </a:r>
           </a:p>
           <a:p>
-            <a:pPr marL="285750" indent="-285750">
+            <a:pPr>
               <a:buFont typeface="Arial" panose="020B0604020202020204" pitchFamily="34" charset="0"/>
               <a:buChar char="•"/>
             </a:pPr>
             <a:r>
-              <a:rPr lang="en-US" sz="1200" dirty="0">
-                <a:solidFill>
-                  <a:schemeClr val="tx1"/>
-                </a:solidFill>
-              </a:rPr>
-              <a:t>Use smart order allocation algorithms to minimize average delivery time for multiple orders.</a:t>
+              <a:rPr lang="en-US" sz="1200" dirty="0"/>
+              <a:t>Use smart order allocation algorithms to optimize routing and minimize delivery time.</a:t>
             </a:r>
           </a:p>
-        </p:txBody>
-      </p:sp>
-      <p:sp>
-        <p:nvSpPr>
-          <p:cNvPr id="24" name="Hình chữ nhật: Góc Tròn 23">
-            <a:extLst>
-              <a:ext uri="{FF2B5EF4-FFF2-40B4-BE49-F238E27FC236}">
-                <a16:creationId xmlns:a16="http://schemas.microsoft.com/office/drawing/2014/main" id="{32B04141-548B-D4C4-3608-E14CF5CB189E}"/>
-              </a:ext>
-            </a:extLst>
-          </p:cNvPr>
-          <p:cNvSpPr/>
-          <p:nvPr/>
-        </p:nvSpPr>
-        <p:spPr>
-          <a:xfrm>
-            <a:off x="6544868" y="2072087"/>
-            <a:ext cx="2447324" cy="4524418"/>
-          </a:xfrm>
-          <a:prstGeom prst="roundRect">
-            <a:avLst/>
-          </a:prstGeom>
-          <a:noFill/>
-        </p:spPr>
-        <p:style>
-          <a:lnRef idx="1">
-            <a:schemeClr val="accent1"/>
-          </a:lnRef>
-          <a:fillRef idx="3">
-            <a:schemeClr val="accent1"/>
-          </a:fillRef>
-          <a:effectRef idx="2">
-            <a:schemeClr val="accent1"/>
-          </a:effectRef>
-          <a:fontRef idx="minor">
-            <a:schemeClr val="lt1"/>
-          </a:fontRef>
-        </p:style>
-        <p:txBody>
-          <a:bodyPr rtlCol="0" anchor="t" anchorCtr="0"/>
-          <a:lstStyle/>
-          <a:p>
+          <a:p>
+            <a:endParaRPr lang="en-US" sz="1200" dirty="0"/>
+          </a:p>
+          <a:p>
+            <a:pPr>
+              <a:buNone/>
+            </a:pPr>
             <a:r>
-              <a:rPr lang="en-US" sz="1400" b="1" i="0" dirty="0" err="1">
-                <a:solidFill>
-                  <a:schemeClr val="tx1"/>
-                </a:solidFill>
-                <a:effectLst/>
-              </a:rPr>
-              <a:t>Time_Orderd</a:t>
+              <a:rPr lang="en-US" sz="1200" b="1" dirty="0"/>
+              <a:t>⏰ Order Timing &amp; Demand Management</a:t>
             </a:r>
-            <a:r>
-              <a:rPr lang="en-US" sz="1400" b="1" i="0" dirty="0">
-                <a:solidFill>
-                  <a:schemeClr val="tx1"/>
-                </a:solidFill>
-                <a:effectLst/>
-              </a:rPr>
-              <a:t>: </a:t>
-            </a:r>
-          </a:p>
-          <a:p>
-            <a:endParaRPr lang="en-US" sz="1400" b="1" i="0" dirty="0">
-              <a:solidFill>
-                <a:schemeClr val="tx1"/>
-              </a:solidFill>
-              <a:effectLst/>
-            </a:endParaRPr>
-          </a:p>
-          <a:p>
-            <a:pPr marL="285750" indent="-285750">
+          </a:p>
+          <a:p>
+            <a:pPr>
               <a:buFont typeface="Arial" panose="020B0604020202020204" pitchFamily="34" charset="0"/>
               <a:buChar char="•"/>
             </a:pPr>
             <a:r>
-              <a:rPr lang="en-US" sz="1200" i="0" dirty="0">
-                <a:solidFill>
-                  <a:schemeClr val="tx1"/>
-                </a:solidFill>
-                <a:effectLst/>
-              </a:rPr>
-              <a:t>Peak Hours (5 PM – 10 PM): Increase delivery personnel by at least 20–30% to mitigate delays during this time frame. </a:t>
+              <a:rPr lang="en-US" sz="1200" dirty="0"/>
+              <a:t>Increase delivery staff by 20–30% during peak hours (5–10 PM) and festivals.</a:t>
             </a:r>
           </a:p>
           <a:p>
-            <a:pPr marL="285750" indent="-285750">
+            <a:pPr>
               <a:buFont typeface="Arial" panose="020B0604020202020204" pitchFamily="34" charset="0"/>
               <a:buChar char="•"/>
             </a:pPr>
             <a:r>
-              <a:rPr lang="en-US" sz="1200" i="0" dirty="0">
-                <a:solidFill>
-                  <a:schemeClr val="tx1"/>
-                </a:solidFill>
-                <a:effectLst/>
-              </a:rPr>
-              <a:t>Prioritize delivery of snacks or beverages during morning and midday slots, when delivery times are generally lower.</a:t>
+              <a:rPr lang="en-US" sz="1200" dirty="0"/>
+              <a:t>Prioritize fast delivery of smaller items (snacks, beverages) during off-peak hours.</a:t>
             </a:r>
           </a:p>
           <a:p>
-            <a:endParaRPr lang="en-US" sz="1400" i="0" dirty="0">
-              <a:solidFill>
-                <a:schemeClr val="tx1"/>
-              </a:solidFill>
-              <a:effectLst/>
-            </a:endParaRPr>
-          </a:p>
-          <a:p>
+            <a:pPr>
+              <a:buFont typeface="Arial" panose="020B0604020202020204" pitchFamily="34" charset="0"/>
+              <a:buChar char="•"/>
+            </a:pPr>
+            <a:endParaRPr lang="en-US" sz="1200" dirty="0"/>
+          </a:p>
+          <a:p>
+            <a:pPr>
+              <a:buNone/>
+            </a:pPr>
             <a:r>
-              <a:rPr lang="en-US" sz="1400" b="1" i="0" dirty="0">
-                <a:solidFill>
-                  <a:schemeClr val="tx1"/>
-                </a:solidFill>
-                <a:effectLst/>
-              </a:rPr>
-              <a:t>Festival: </a:t>
+              <a:rPr lang="en-US" sz="1200" b="1" dirty="0"/>
+              <a:t>🌦️ Weather &amp; Traffic Management</a:t>
             </a:r>
           </a:p>
           <a:p>
-            <a:endParaRPr lang="en-US" sz="1400" b="1" i="0" dirty="0">
-              <a:solidFill>
-                <a:schemeClr val="tx1"/>
-              </a:solidFill>
-              <a:effectLst/>
-            </a:endParaRPr>
-          </a:p>
-          <a:p>
-            <a:pPr marL="171450" indent="-171450">
+            <a:pPr>
               <a:buFont typeface="Arial" panose="020B0604020202020204" pitchFamily="34" charset="0"/>
               <a:buChar char="•"/>
             </a:pPr>
             <a:r>
-              <a:rPr lang="en-US" sz="1200" i="0" dirty="0">
-                <a:solidFill>
-                  <a:schemeClr val="tx1"/>
-                </a:solidFill>
-                <a:effectLst/>
-              </a:rPr>
-              <a:t>There is a need to plan for staffing for the Festival.</a:t>
+              <a:rPr lang="en-US" sz="1200" dirty="0"/>
+              <a:t>Monitor real-time traffic and weather conditions, especially during festivals.</a:t>
+            </a:r>
+          </a:p>
+          <a:p>
+            <a:pPr>
+              <a:buFont typeface="Arial" panose="020B0604020202020204" pitchFamily="34" charset="0"/>
+              <a:buChar char="•"/>
+            </a:pPr>
+            <a:r>
+              <a:rPr lang="en-US" sz="1200" dirty="0"/>
+              <a:t>Adjust staffing and routing strategies dynamically based on data.</a:t>
+            </a:r>
+          </a:p>
+          <a:p>
+            <a:pPr>
+              <a:buFont typeface="Arial" panose="020B0604020202020204" pitchFamily="34" charset="0"/>
+              <a:buChar char="•"/>
+            </a:pPr>
+            <a:r>
+              <a:rPr lang="en-US" sz="1200" dirty="0"/>
+              <a:t>Train drivers on efficient routes identified from data analysis.</a:t>
+            </a:r>
+          </a:p>
+          <a:p>
+            <a:pPr>
+              <a:buFont typeface="Arial" panose="020B0604020202020204" pitchFamily="34" charset="0"/>
+              <a:buChar char="•"/>
+            </a:pPr>
+            <a:endParaRPr lang="en-US" sz="1200" dirty="0"/>
+          </a:p>
+          <a:p>
+            <a:pPr>
+              <a:buNone/>
+            </a:pPr>
+            <a:r>
+              <a:rPr lang="en-US" sz="1200" b="1" dirty="0"/>
+              <a:t>🌍 Area-specific Strategies</a:t>
+            </a:r>
+          </a:p>
+          <a:p>
+            <a:pPr>
+              <a:buFont typeface="Arial" panose="020B0604020202020204" pitchFamily="34" charset="0"/>
+              <a:buChar char="•"/>
+            </a:pPr>
+            <a:r>
+              <a:rPr lang="en-US" sz="1200" dirty="0"/>
+              <a:t>Allocate more resources to </a:t>
+            </a:r>
+            <a:r>
+              <a:rPr lang="en-US" sz="1200" b="1" dirty="0"/>
+              <a:t>semi-urban areas</a:t>
+            </a:r>
+            <a:r>
+              <a:rPr lang="en-US" sz="1200" dirty="0"/>
+              <a:t> where delivery times are consistently longer.</a:t>
+            </a:r>
+          </a:p>
+          <a:p>
+            <a:pPr>
+              <a:buFont typeface="Arial" panose="020B0604020202020204" pitchFamily="34" charset="0"/>
+              <a:buChar char="•"/>
+            </a:pPr>
+            <a:r>
+              <a:rPr lang="en-US" sz="1200" dirty="0"/>
+              <a:t>Develop area-specific optimization plans, including route planning and resource allocation.</a:t>
+            </a:r>
+          </a:p>
+          <a:p>
+            <a:pPr>
+              <a:buFont typeface="Arial" panose="020B0604020202020204" pitchFamily="34" charset="0"/>
+              <a:buChar char="•"/>
+            </a:pPr>
+            <a:endParaRPr lang="en-US" sz="1200" dirty="0"/>
+          </a:p>
+          <a:p>
+            <a:pPr>
+              <a:buNone/>
+            </a:pPr>
+            <a:r>
+              <a:rPr lang="en-US" sz="1200" b="1" dirty="0"/>
+              <a:t>🗺️ Geolocation-based Improvements</a:t>
+            </a:r>
+          </a:p>
+          <a:p>
+            <a:pPr>
+              <a:buFont typeface="Arial" panose="020B0604020202020204" pitchFamily="34" charset="0"/>
+              <a:buChar char="•"/>
+            </a:pPr>
+            <a:r>
+              <a:rPr lang="en-US" sz="1200" dirty="0"/>
+              <a:t>Consider the strong impact of </a:t>
+            </a:r>
+            <a:r>
+              <a:rPr lang="en-US" sz="1200" b="1" dirty="0" err="1"/>
+              <a:t>delivery_location_longitude</a:t>
+            </a:r>
+            <a:r>
+              <a:rPr lang="en-US" sz="1200" dirty="0"/>
+              <a:t> on delivery times.</a:t>
+            </a:r>
+          </a:p>
+          <a:p>
+            <a:pPr>
+              <a:buFont typeface="Arial" panose="020B0604020202020204" pitchFamily="34" charset="0"/>
+              <a:buChar char="•"/>
+            </a:pPr>
+            <a:r>
+              <a:rPr lang="en-US" sz="1200" dirty="0"/>
+              <a:t>Use dynamic geolocation-based planning to minimize time increases for farther destinations.</a:t>
             </a:r>
           </a:p>
         </p:txBody>
@@ -21332,904 +21866,6 @@
     <p:extLst>
       <p:ext uri="{BB962C8B-B14F-4D97-AF65-F5344CB8AC3E}">
         <p14:creationId xmlns:p14="http://schemas.microsoft.com/office/powerpoint/2010/main" val="2854578470"/>
-      </p:ext>
-    </p:extLst>
-  </p:cSld>
-  <p:clrMapOvr>
-    <a:masterClrMapping/>
-  </p:clrMapOvr>
-</p:sld>
-</file>
-
-<file path=ppt/slides/slide17.xml><?xml version="1.0" encoding="utf-8"?>
-<p:sld xmlns:a="http://schemas.openxmlformats.org/drawingml/2006/main" xmlns:r="http://schemas.openxmlformats.org/officeDocument/2006/relationships" xmlns:p="http://schemas.openxmlformats.org/presentationml/2006/main">
-  <p:cSld>
-    <p:bg>
-      <p:bgPr>
-        <a:solidFill>
-          <a:schemeClr val="bg1"/>
-        </a:solidFill>
-        <a:effectLst/>
-      </p:bgPr>
-    </p:bg>
-    <p:spTree>
-      <p:nvGrpSpPr>
-        <p:cNvPr id="1" name="">
-          <a:extLst>
-            <a:ext uri="{FF2B5EF4-FFF2-40B4-BE49-F238E27FC236}">
-              <a16:creationId xmlns:a16="http://schemas.microsoft.com/office/drawing/2014/main" id="{2C3A5BEE-FCBC-467B-8265-25F61FCBE12F}"/>
-            </a:ext>
-          </a:extLst>
-        </p:cNvPr>
-        <p:cNvGrpSpPr/>
-        <p:nvPr/>
-      </p:nvGrpSpPr>
-      <p:grpSpPr>
-        <a:xfrm>
-          <a:off x="0" y="0"/>
-          <a:ext cx="0" cy="0"/>
-          <a:chOff x="0" y="0"/>
-          <a:chExt cx="0" cy="0"/>
-        </a:xfrm>
-      </p:grpSpPr>
-      <p:sp useBgFill="1">
-        <p:nvSpPr>
-          <p:cNvPr id="53" name="Rectangle 52">
-            <a:extLst>
-              <a:ext uri="{FF2B5EF4-FFF2-40B4-BE49-F238E27FC236}">
-                <a16:creationId xmlns:a16="http://schemas.microsoft.com/office/drawing/2014/main" id="{79F12641-FC8C-25B2-0814-C78A14DE3D87}"/>
-              </a:ext>
-              <a:ext uri="{C183D7F6-B498-43B3-948B-1728B52AA6E4}">
-                <adec:decorative xmlns:adec="http://schemas.microsoft.com/office/drawing/2017/decorative" val="1"/>
-              </a:ext>
-            </a:extLst>
-          </p:cNvPr>
-          <p:cNvSpPr>
-            <a:spLocks noGrp="1" noRot="1" noChangeAspect="1" noMove="1" noResize="1" noEditPoints="1" noAdjustHandles="1" noChangeArrowheads="1" noChangeShapeType="1" noTextEdit="1"/>
-          </p:cNvSpPr>
-          <p:nvPr>
-            <p:extLst>
-              <p:ext uri="{386F3935-93C4-4BCD-93E2-E3B085C9AB24}">
-                <p16:designElem xmlns:p16="http://schemas.microsoft.com/office/powerpoint/2015/main" val="1"/>
-              </p:ext>
-            </p:extLst>
-          </p:nvPr>
-        </p:nvSpPr>
-        <p:spPr>
-          <a:xfrm>
-            <a:off x="0" y="0"/>
-            <a:ext cx="9144000" cy="6858000"/>
-          </a:xfrm>
-          <a:prstGeom prst="rect">
-            <a:avLst/>
-          </a:prstGeom>
-          <a:ln w="12700" cap="flat" cmpd="sng" algn="ctr">
-            <a:noFill/>
-            <a:prstDash val="solid"/>
-            <a:miter lim="800000"/>
-          </a:ln>
-          <a:effectLst/>
-          <a:extLst>
-            <a:ext uri="{91240B29-F687-4F45-9708-019B960494DF}">
-              <a14:hiddenLine xmlns:a14="http://schemas.microsoft.com/office/drawing/2010/main" w="12700" cap="flat" cmpd="sng" algn="ctr">
-                <a:solidFill>
-                  <a:schemeClr val="accent1">
-                    <a:shade val="50000"/>
-                  </a:schemeClr>
-                </a:solidFill>
-                <a:prstDash val="solid"/>
-                <a:miter lim="800000"/>
-              </a14:hiddenLine>
-            </a:ext>
-          </a:extLst>
-        </p:spPr>
-        <p:style>
-          <a:lnRef idx="2">
-            <a:schemeClr val="accent1">
-              <a:shade val="50000"/>
-            </a:schemeClr>
-          </a:lnRef>
-          <a:fillRef idx="1">
-            <a:schemeClr val="accent1"/>
-          </a:fillRef>
-          <a:effectRef idx="0">
-            <a:schemeClr val="accent1"/>
-          </a:effectRef>
-          <a:fontRef idx="minor">
-            <a:schemeClr val="lt1"/>
-          </a:fontRef>
-        </p:style>
-        <p:txBody>
-          <a:bodyPr rtlCol="0" anchor="ctr"/>
-          <a:lstStyle/>
-          <a:p>
-            <a:pPr algn="ctr"/>
-            <a:endParaRPr lang="en-US"/>
-          </a:p>
-        </p:txBody>
-      </p:sp>
-      <p:sp>
-        <p:nvSpPr>
-          <p:cNvPr id="55" name="Rectangle 54">
-            <a:extLst>
-              <a:ext uri="{FF2B5EF4-FFF2-40B4-BE49-F238E27FC236}">
-                <a16:creationId xmlns:a16="http://schemas.microsoft.com/office/drawing/2014/main" id="{37A39741-4045-667F-F67A-B746ADA6718D}"/>
-              </a:ext>
-              <a:ext uri="{C183D7F6-B498-43B3-948B-1728B52AA6E4}">
-                <adec:decorative xmlns:adec="http://schemas.microsoft.com/office/drawing/2017/decorative" val="1"/>
-              </a:ext>
-            </a:extLst>
-          </p:cNvPr>
-          <p:cNvSpPr>
-            <a:spLocks noGrp="1" noRot="1" noChangeAspect="1" noMove="1" noResize="1" noEditPoints="1" noAdjustHandles="1" noChangeArrowheads="1" noChangeShapeType="1" noTextEdit="1"/>
-          </p:cNvSpPr>
-          <p:nvPr>
-            <p:extLst>
-              <p:ext uri="{386F3935-93C4-4BCD-93E2-E3B085C9AB24}">
-                <p16:designElem xmlns:p16="http://schemas.microsoft.com/office/powerpoint/2015/main" val="1"/>
-              </p:ext>
-            </p:extLst>
-          </p:nvPr>
-        </p:nvSpPr>
-        <p:spPr>
-          <a:xfrm flipH="1">
-            <a:off x="1" y="0"/>
-            <a:ext cx="9143999" cy="1575955"/>
-          </a:xfrm>
-          <a:prstGeom prst="rect">
-            <a:avLst/>
-          </a:prstGeom>
-          <a:gradFill>
-            <a:gsLst>
-              <a:gs pos="0">
-                <a:srgbClr val="000000">
-                  <a:alpha val="96000"/>
-                </a:srgbClr>
-              </a:gs>
-              <a:gs pos="100000">
-                <a:schemeClr val="accent1">
-                  <a:lumMod val="75000"/>
-                </a:schemeClr>
-              </a:gs>
-            </a:gsLst>
-            <a:lin ang="8400000" scaled="0"/>
-          </a:gradFill>
-          <a:ln>
-            <a:noFill/>
-          </a:ln>
-        </p:spPr>
-        <p:style>
-          <a:lnRef idx="2">
-            <a:schemeClr val="accent1">
-              <a:shade val="50000"/>
-            </a:schemeClr>
-          </a:lnRef>
-          <a:fillRef idx="1">
-            <a:schemeClr val="accent1"/>
-          </a:fillRef>
-          <a:effectRef idx="0">
-            <a:schemeClr val="accent1"/>
-          </a:effectRef>
-          <a:fontRef idx="minor">
-            <a:schemeClr val="lt1"/>
-          </a:fontRef>
-        </p:style>
-        <p:txBody>
-          <a:bodyPr rtlCol="0" anchor="ctr"/>
-          <a:lstStyle/>
-          <a:p>
-            <a:pPr algn="ctr"/>
-            <a:endParaRPr lang="en-US"/>
-          </a:p>
-        </p:txBody>
-      </p:sp>
-      <p:sp>
-        <p:nvSpPr>
-          <p:cNvPr id="57" name="Rectangle 56">
-            <a:extLst>
-              <a:ext uri="{FF2B5EF4-FFF2-40B4-BE49-F238E27FC236}">
-                <a16:creationId xmlns:a16="http://schemas.microsoft.com/office/drawing/2014/main" id="{5FFD1408-E41C-145F-795C-E4B5EE4D09D8}"/>
-              </a:ext>
-              <a:ext uri="{C183D7F6-B498-43B3-948B-1728B52AA6E4}">
-                <adec:decorative xmlns:adec="http://schemas.microsoft.com/office/drawing/2017/decorative" val="1"/>
-              </a:ext>
-            </a:extLst>
-          </p:cNvPr>
-          <p:cNvSpPr>
-            <a:spLocks noGrp="1" noRot="1" noChangeAspect="1" noMove="1" noResize="1" noEditPoints="1" noAdjustHandles="1" noChangeArrowheads="1" noChangeShapeType="1" noTextEdit="1"/>
-          </p:cNvSpPr>
-          <p:nvPr>
-            <p:extLst>
-              <p:ext uri="{386F3935-93C4-4BCD-93E2-E3B085C9AB24}">
-                <p16:designElem xmlns:p16="http://schemas.microsoft.com/office/powerpoint/2015/main" val="1"/>
-              </p:ext>
-            </p:extLst>
-          </p:nvPr>
-        </p:nvSpPr>
-        <p:spPr>
-          <a:xfrm rot="10800000" flipH="1">
-            <a:off x="6096642" y="0"/>
-            <a:ext cx="3047358" cy="1576412"/>
-          </a:xfrm>
-          <a:prstGeom prst="rect">
-            <a:avLst/>
-          </a:prstGeom>
-          <a:gradFill>
-            <a:gsLst>
-              <a:gs pos="19000">
-                <a:schemeClr val="accent1">
-                  <a:lumMod val="50000"/>
-                  <a:alpha val="68000"/>
-                </a:schemeClr>
-              </a:gs>
-              <a:gs pos="100000">
-                <a:schemeClr val="accent1">
-                  <a:alpha val="79000"/>
-                </a:schemeClr>
-              </a:gs>
-            </a:gsLst>
-            <a:lin ang="19200000" scaled="0"/>
-          </a:gradFill>
-          <a:ln>
-            <a:noFill/>
-          </a:ln>
-        </p:spPr>
-        <p:style>
-          <a:lnRef idx="2">
-            <a:schemeClr val="accent1">
-              <a:shade val="50000"/>
-            </a:schemeClr>
-          </a:lnRef>
-          <a:fillRef idx="1">
-            <a:schemeClr val="accent1"/>
-          </a:fillRef>
-          <a:effectRef idx="0">
-            <a:schemeClr val="accent1"/>
-          </a:effectRef>
-          <a:fontRef idx="minor">
-            <a:schemeClr val="lt1"/>
-          </a:fontRef>
-        </p:style>
-        <p:txBody>
-          <a:bodyPr rtlCol="0" anchor="ctr"/>
-          <a:lstStyle/>
-          <a:p>
-            <a:pPr algn="ctr"/>
-            <a:endParaRPr lang="en-US"/>
-          </a:p>
-        </p:txBody>
-      </p:sp>
-      <p:sp>
-        <p:nvSpPr>
-          <p:cNvPr id="59" name="Rectangle 58">
-            <a:extLst>
-              <a:ext uri="{FF2B5EF4-FFF2-40B4-BE49-F238E27FC236}">
-                <a16:creationId xmlns:a16="http://schemas.microsoft.com/office/drawing/2014/main" id="{C766656A-8E4E-C5E0-FA59-D277233D2B53}"/>
-              </a:ext>
-              <a:ext uri="{C183D7F6-B498-43B3-948B-1728B52AA6E4}">
-                <adec:decorative xmlns:adec="http://schemas.microsoft.com/office/drawing/2017/decorative" val="1"/>
-              </a:ext>
-            </a:extLst>
-          </p:cNvPr>
-          <p:cNvSpPr>
-            <a:spLocks noGrp="1" noRot="1" noChangeAspect="1" noMove="1" noResize="1" noEditPoints="1" noAdjustHandles="1" noChangeArrowheads="1" noChangeShapeType="1" noTextEdit="1"/>
-          </p:cNvSpPr>
-          <p:nvPr>
-            <p:extLst>
-              <p:ext uri="{386F3935-93C4-4BCD-93E2-E3B085C9AB24}">
-                <p16:designElem xmlns:p16="http://schemas.microsoft.com/office/powerpoint/2015/main" val="1"/>
-              </p:ext>
-            </p:extLst>
-          </p:nvPr>
-        </p:nvSpPr>
-        <p:spPr>
-          <a:xfrm rot="5400000">
-            <a:off x="3783777" y="-3783778"/>
-            <a:ext cx="1576446" cy="9144002"/>
-          </a:xfrm>
-          <a:prstGeom prst="rect">
-            <a:avLst/>
-          </a:prstGeom>
-          <a:gradFill>
-            <a:gsLst>
-              <a:gs pos="23000">
-                <a:schemeClr val="accent1">
-                  <a:alpha val="0"/>
-                </a:schemeClr>
-              </a:gs>
-              <a:gs pos="99000">
-                <a:srgbClr val="000000">
-                  <a:alpha val="74000"/>
-                </a:srgbClr>
-              </a:gs>
-            </a:gsLst>
-            <a:lin ang="20400000" scaled="0"/>
-          </a:gradFill>
-          <a:ln>
-            <a:noFill/>
-          </a:ln>
-        </p:spPr>
-        <p:style>
-          <a:lnRef idx="2">
-            <a:schemeClr val="accent1">
-              <a:shade val="50000"/>
-            </a:schemeClr>
-          </a:lnRef>
-          <a:fillRef idx="1">
-            <a:schemeClr val="accent1"/>
-          </a:fillRef>
-          <a:effectRef idx="0">
-            <a:schemeClr val="accent1"/>
-          </a:effectRef>
-          <a:fontRef idx="minor">
-            <a:schemeClr val="lt1"/>
-          </a:fontRef>
-        </p:style>
-        <p:txBody>
-          <a:bodyPr rtlCol="0" anchor="ctr"/>
-          <a:lstStyle/>
-          <a:p>
-            <a:pPr algn="ctr"/>
-            <a:endParaRPr lang="en-US" dirty="0"/>
-          </a:p>
-        </p:txBody>
-      </p:sp>
-      <p:sp>
-        <p:nvSpPr>
-          <p:cNvPr id="2" name="Title 1">
-            <a:extLst>
-              <a:ext uri="{FF2B5EF4-FFF2-40B4-BE49-F238E27FC236}">
-                <a16:creationId xmlns:a16="http://schemas.microsoft.com/office/drawing/2014/main" id="{1A116EC0-850F-CE53-E01F-E5B2E8BD1E05}"/>
-              </a:ext>
-            </a:extLst>
-          </p:cNvPr>
-          <p:cNvSpPr>
-            <a:spLocks noGrp="1"/>
-          </p:cNvSpPr>
-          <p:nvPr>
-            <p:ph type="title"/>
-          </p:nvPr>
-        </p:nvSpPr>
-        <p:spPr>
-          <a:xfrm>
-            <a:off x="1028697" y="348865"/>
-            <a:ext cx="7533018" cy="877729"/>
-          </a:xfrm>
-        </p:spPr>
-        <p:txBody>
-          <a:bodyPr anchor="ctr">
-            <a:normAutofit/>
-          </a:bodyPr>
-          <a:lstStyle/>
-          <a:p>
-            <a:pPr>
-              <a:defRPr sz="2000">
-                <a:solidFill>
-                  <a:srgbClr val="000000"/>
-                </a:solidFill>
-                <a:latin typeface="Arial"/>
-              </a:defRPr>
-            </a:pPr>
-            <a:r>
-              <a:rPr lang="en-US" sz="3500" dirty="0">
-                <a:solidFill>
-                  <a:srgbClr val="FFFFFF"/>
-                </a:solidFill>
-              </a:rPr>
-              <a:t>8. Recommendations</a:t>
-            </a:r>
-          </a:p>
-        </p:txBody>
-      </p:sp>
-      <p:grpSp>
-        <p:nvGrpSpPr>
-          <p:cNvPr id="33" name="Nhóm 32">
-            <a:extLst>
-              <a:ext uri="{FF2B5EF4-FFF2-40B4-BE49-F238E27FC236}">
-                <a16:creationId xmlns:a16="http://schemas.microsoft.com/office/drawing/2014/main" id="{CD852B5E-1C72-51A6-DD1F-F82E1D41F979}"/>
-              </a:ext>
-            </a:extLst>
-          </p:cNvPr>
-          <p:cNvGrpSpPr/>
-          <p:nvPr/>
-        </p:nvGrpSpPr>
-        <p:grpSpPr>
-          <a:xfrm>
-            <a:off x="151808" y="1765498"/>
-            <a:ext cx="2479655" cy="283031"/>
-            <a:chOff x="0" y="2845191"/>
-            <a:chExt cx="3873909" cy="934771"/>
-          </a:xfrm>
-        </p:grpSpPr>
-        <p:sp>
-          <p:nvSpPr>
-            <p:cNvPr id="34" name="Hình chữ nhật: Góc Tròn 33">
-              <a:extLst>
-                <a:ext uri="{FF2B5EF4-FFF2-40B4-BE49-F238E27FC236}">
-                  <a16:creationId xmlns:a16="http://schemas.microsoft.com/office/drawing/2014/main" id="{637F8A1C-B845-126C-DFAA-AA483344060A}"/>
-                </a:ext>
-              </a:extLst>
-            </p:cNvPr>
-            <p:cNvSpPr/>
-            <p:nvPr/>
-          </p:nvSpPr>
-          <p:spPr>
-            <a:xfrm>
-              <a:off x="0" y="2845191"/>
-              <a:ext cx="3873909" cy="934771"/>
-            </a:xfrm>
-            <a:prstGeom prst="roundRect">
-              <a:avLst/>
-            </a:prstGeom>
-          </p:spPr>
-          <p:style>
-            <a:lnRef idx="2">
-              <a:schemeClr val="lt1">
-                <a:hueOff val="0"/>
-                <a:satOff val="0"/>
-                <a:lumOff val="0"/>
-                <a:alphaOff val="0"/>
-              </a:schemeClr>
-            </a:lnRef>
-            <a:fillRef idx="1">
-              <a:schemeClr val="accent2">
-                <a:hueOff val="3511139"/>
-                <a:satOff val="-4379"/>
-                <a:lumOff val="1030"/>
-                <a:alphaOff val="0"/>
-              </a:schemeClr>
-            </a:fillRef>
-            <a:effectRef idx="0">
-              <a:schemeClr val="accent2">
-                <a:hueOff val="3511139"/>
-                <a:satOff val="-4379"/>
-                <a:lumOff val="1030"/>
-                <a:alphaOff val="0"/>
-              </a:schemeClr>
-            </a:effectRef>
-            <a:fontRef idx="minor">
-              <a:schemeClr val="lt1"/>
-            </a:fontRef>
-          </p:style>
-          <p:txBody>
-            <a:bodyPr/>
-            <a:lstStyle/>
-            <a:p>
-              <a:endParaRPr lang="en-US"/>
-            </a:p>
-          </p:txBody>
-        </p:sp>
-        <p:sp>
-          <p:nvSpPr>
-            <p:cNvPr id="35" name="Hình chữ nhật: Góc Tròn 4">
-              <a:extLst>
-                <a:ext uri="{FF2B5EF4-FFF2-40B4-BE49-F238E27FC236}">
-                  <a16:creationId xmlns:a16="http://schemas.microsoft.com/office/drawing/2014/main" id="{F5BB912F-0BA0-8D08-B665-1E189EA37055}"/>
-                </a:ext>
-              </a:extLst>
-            </p:cNvPr>
-            <p:cNvSpPr txBox="1"/>
-            <p:nvPr/>
-          </p:nvSpPr>
-          <p:spPr>
-            <a:xfrm>
-              <a:off x="45633" y="2890825"/>
-              <a:ext cx="3782645" cy="843507"/>
-            </a:xfrm>
-            <a:prstGeom prst="rect">
-              <a:avLst/>
-            </a:prstGeom>
-          </p:spPr>
-          <p:style>
-            <a:lnRef idx="0">
-              <a:scrgbClr r="0" g="0" b="0"/>
-            </a:lnRef>
-            <a:fillRef idx="0">
-              <a:scrgbClr r="0" g="0" b="0"/>
-            </a:fillRef>
-            <a:effectRef idx="0">
-              <a:scrgbClr r="0" g="0" b="0"/>
-            </a:effectRef>
-            <a:fontRef idx="minor">
-              <a:schemeClr val="lt1"/>
-            </a:fontRef>
-          </p:style>
-          <p:txBody>
-            <a:bodyPr spcFirstLastPara="0" vert="horz" wrap="square" lIns="53340" tIns="53340" rIns="53340" bIns="53340" numCol="1" spcCol="1270" anchor="ctr" anchorCtr="0">
-              <a:noAutofit/>
-            </a:bodyPr>
-            <a:lstStyle/>
-            <a:p>
-              <a:pPr marL="0" lvl="0" indent="0" algn="l" defTabSz="622300">
-                <a:lnSpc>
-                  <a:spcPct val="90000"/>
-                </a:lnSpc>
-                <a:spcBef>
-                  <a:spcPct val="0"/>
-                </a:spcBef>
-                <a:spcAft>
-                  <a:spcPct val="35000"/>
-                </a:spcAft>
-                <a:buNone/>
-              </a:pPr>
-              <a:r>
-                <a:rPr lang="en-US" sz="1400" b="1" i="0" kern="1200" dirty="0"/>
-                <a:t>Weather and traffic condition</a:t>
-              </a:r>
-              <a:endParaRPr lang="en-US" sz="1000" kern="1200" dirty="0"/>
-            </a:p>
-          </p:txBody>
-        </p:sp>
-      </p:grpSp>
-      <p:sp>
-        <p:nvSpPr>
-          <p:cNvPr id="36" name="Hình chữ nhật: Góc Tròn 35">
-            <a:extLst>
-              <a:ext uri="{FF2B5EF4-FFF2-40B4-BE49-F238E27FC236}">
-                <a16:creationId xmlns:a16="http://schemas.microsoft.com/office/drawing/2014/main" id="{2FBCFC6D-B8A5-A3D5-D567-F3CCBA622D28}"/>
-              </a:ext>
-            </a:extLst>
-          </p:cNvPr>
-          <p:cNvSpPr/>
-          <p:nvPr/>
-        </p:nvSpPr>
-        <p:spPr>
-          <a:xfrm>
-            <a:off x="151808" y="2072087"/>
-            <a:ext cx="2480855" cy="4554855"/>
-          </a:xfrm>
-          <a:prstGeom prst="roundRect">
-            <a:avLst/>
-          </a:prstGeom>
-          <a:noFill/>
-        </p:spPr>
-        <p:style>
-          <a:lnRef idx="1">
-            <a:schemeClr val="accent1"/>
-          </a:lnRef>
-          <a:fillRef idx="3">
-            <a:schemeClr val="accent1"/>
-          </a:fillRef>
-          <a:effectRef idx="2">
-            <a:schemeClr val="accent1"/>
-          </a:effectRef>
-          <a:fontRef idx="minor">
-            <a:schemeClr val="lt1"/>
-          </a:fontRef>
-        </p:style>
-        <p:txBody>
-          <a:bodyPr rtlCol="0" anchor="t" anchorCtr="0"/>
-          <a:lstStyle/>
-          <a:p>
-            <a:r>
-              <a:rPr lang="en-US" sz="1400" b="1" i="0" dirty="0" err="1">
-                <a:solidFill>
-                  <a:schemeClr val="tx1"/>
-                </a:solidFill>
-                <a:effectLst/>
-              </a:rPr>
-              <a:t>Weather_conditions</a:t>
-            </a:r>
-            <a:r>
-              <a:rPr lang="en-US" sz="1400" i="0" dirty="0">
-                <a:solidFill>
-                  <a:schemeClr val="tx1"/>
-                </a:solidFill>
-                <a:effectLst/>
-              </a:rPr>
-              <a:t>:</a:t>
-            </a:r>
-          </a:p>
-          <a:p>
-            <a:endParaRPr lang="en-US" sz="1400" i="0" dirty="0">
-              <a:solidFill>
-                <a:schemeClr val="tx1"/>
-              </a:solidFill>
-              <a:effectLst/>
-            </a:endParaRPr>
-          </a:p>
-          <a:p>
-            <a:pPr marL="285750" indent="-285750">
-              <a:buFont typeface="Arial" panose="020B0604020202020204" pitchFamily="34" charset="0"/>
-              <a:buChar char="•"/>
-            </a:pPr>
-            <a:r>
-              <a:rPr lang="en-US" sz="1200" i="0" dirty="0">
-                <a:solidFill>
-                  <a:schemeClr val="tx1"/>
-                </a:solidFill>
-                <a:effectLst/>
-              </a:rPr>
-              <a:t>Monitor weather conditions to adjust staffing and routing strategies, especially during festival days.</a:t>
-            </a:r>
-          </a:p>
-          <a:p>
-            <a:endParaRPr lang="en-US" sz="1400" i="0" dirty="0">
-              <a:solidFill>
-                <a:schemeClr val="tx1"/>
-              </a:solidFill>
-              <a:effectLst/>
-            </a:endParaRPr>
-          </a:p>
-          <a:p>
-            <a:r>
-              <a:rPr lang="en-US" sz="1400" b="1" i="0" dirty="0" err="1">
-                <a:solidFill>
-                  <a:schemeClr val="tx1"/>
-                </a:solidFill>
-                <a:effectLst/>
-              </a:rPr>
-              <a:t>Road_traffic_density</a:t>
-            </a:r>
-            <a:r>
-              <a:rPr lang="en-US" sz="1400" b="1" i="0" dirty="0">
-                <a:solidFill>
-                  <a:schemeClr val="tx1"/>
-                </a:solidFill>
-                <a:effectLst/>
-              </a:rPr>
-              <a:t>: </a:t>
-            </a:r>
-          </a:p>
-          <a:p>
-            <a:endParaRPr lang="en-US" sz="1400" b="1" i="0" dirty="0">
-              <a:solidFill>
-                <a:schemeClr val="tx1"/>
-              </a:solidFill>
-              <a:effectLst/>
-            </a:endParaRPr>
-          </a:p>
-          <a:p>
-            <a:pPr marL="285750" indent="-285750">
-              <a:buFont typeface="Arial" panose="020B0604020202020204" pitchFamily="34" charset="0"/>
-              <a:buChar char="•"/>
-            </a:pPr>
-            <a:r>
-              <a:rPr lang="en-US" sz="1200" i="0" dirty="0">
-                <a:solidFill>
-                  <a:schemeClr val="tx1"/>
-                </a:solidFill>
-                <a:effectLst/>
-              </a:rPr>
-              <a:t>Deploy real-time routing systems, integrating traffic and weather data to avoid congested or adverse areas (e.g., high traffic density or bad weather). </a:t>
-            </a:r>
-          </a:p>
-          <a:p>
-            <a:pPr marL="285750" indent="-285750">
-              <a:buFont typeface="Arial" panose="020B0604020202020204" pitchFamily="34" charset="0"/>
-              <a:buChar char="•"/>
-            </a:pPr>
-            <a:r>
-              <a:rPr lang="en-US" sz="1200" i="0" dirty="0">
-                <a:solidFill>
-                  <a:schemeClr val="tx1"/>
-                </a:solidFill>
-                <a:effectLst/>
-              </a:rPr>
-              <a:t>Train delivery personnel on identified fast routes based on data analysis.</a:t>
-            </a:r>
-          </a:p>
-        </p:txBody>
-      </p:sp>
-      <p:grpSp>
-        <p:nvGrpSpPr>
-          <p:cNvPr id="37" name="Nhóm 36">
-            <a:extLst>
-              <a:ext uri="{FF2B5EF4-FFF2-40B4-BE49-F238E27FC236}">
-                <a16:creationId xmlns:a16="http://schemas.microsoft.com/office/drawing/2014/main" id="{D1C06010-0E68-1DF9-BF95-DF33479E5701}"/>
-              </a:ext>
-            </a:extLst>
-          </p:cNvPr>
-          <p:cNvGrpSpPr/>
-          <p:nvPr/>
-        </p:nvGrpSpPr>
-        <p:grpSpPr>
-          <a:xfrm>
-            <a:off x="3346777" y="1765497"/>
-            <a:ext cx="2450446" cy="283032"/>
-            <a:chOff x="0" y="3793111"/>
-            <a:chExt cx="3873909" cy="934771"/>
-          </a:xfrm>
-        </p:grpSpPr>
-        <p:sp>
-          <p:nvSpPr>
-            <p:cNvPr id="38" name="Hình chữ nhật: Góc Tròn 37">
-              <a:extLst>
-                <a:ext uri="{FF2B5EF4-FFF2-40B4-BE49-F238E27FC236}">
-                  <a16:creationId xmlns:a16="http://schemas.microsoft.com/office/drawing/2014/main" id="{FE543EAA-8687-D535-EF0D-9FB064F03936}"/>
-                </a:ext>
-              </a:extLst>
-            </p:cNvPr>
-            <p:cNvSpPr/>
-            <p:nvPr/>
-          </p:nvSpPr>
-          <p:spPr>
-            <a:xfrm>
-              <a:off x="0" y="3793111"/>
-              <a:ext cx="3873909" cy="934771"/>
-            </a:xfrm>
-            <a:prstGeom prst="roundRect">
-              <a:avLst/>
-            </a:prstGeom>
-          </p:spPr>
-          <p:style>
-            <a:lnRef idx="2">
-              <a:schemeClr val="lt1">
-                <a:hueOff val="0"/>
-                <a:satOff val="0"/>
-                <a:lumOff val="0"/>
-                <a:alphaOff val="0"/>
-              </a:schemeClr>
-            </a:lnRef>
-            <a:fillRef idx="1">
-              <a:schemeClr val="accent2">
-                <a:hueOff val="4681519"/>
-                <a:satOff val="-5839"/>
-                <a:lumOff val="1373"/>
-                <a:alphaOff val="0"/>
-              </a:schemeClr>
-            </a:fillRef>
-            <a:effectRef idx="0">
-              <a:schemeClr val="accent2">
-                <a:hueOff val="4681519"/>
-                <a:satOff val="-5839"/>
-                <a:lumOff val="1373"/>
-                <a:alphaOff val="0"/>
-              </a:schemeClr>
-            </a:effectRef>
-            <a:fontRef idx="minor">
-              <a:schemeClr val="lt1"/>
-            </a:fontRef>
-          </p:style>
-          <p:txBody>
-            <a:bodyPr/>
-            <a:lstStyle/>
-            <a:p>
-              <a:endParaRPr lang="en-US"/>
-            </a:p>
-          </p:txBody>
-        </p:sp>
-        <p:sp>
-          <p:nvSpPr>
-            <p:cNvPr id="39" name="Hình chữ nhật: Góc Tròn 4">
-              <a:extLst>
-                <a:ext uri="{FF2B5EF4-FFF2-40B4-BE49-F238E27FC236}">
-                  <a16:creationId xmlns:a16="http://schemas.microsoft.com/office/drawing/2014/main" id="{A85BAB17-5148-1271-A9E0-510D0CE96345}"/>
-                </a:ext>
-              </a:extLst>
-            </p:cNvPr>
-            <p:cNvSpPr txBox="1"/>
-            <p:nvPr/>
-          </p:nvSpPr>
-          <p:spPr>
-            <a:xfrm>
-              <a:off x="45632" y="3838743"/>
-              <a:ext cx="3782645" cy="843507"/>
-            </a:xfrm>
-            <a:prstGeom prst="rect">
-              <a:avLst/>
-            </a:prstGeom>
-          </p:spPr>
-          <p:style>
-            <a:lnRef idx="0">
-              <a:scrgbClr r="0" g="0" b="0"/>
-            </a:lnRef>
-            <a:fillRef idx="0">
-              <a:scrgbClr r="0" g="0" b="0"/>
-            </a:fillRef>
-            <a:effectRef idx="0">
-              <a:scrgbClr r="0" g="0" b="0"/>
-            </a:effectRef>
-            <a:fontRef idx="minor">
-              <a:schemeClr val="lt1"/>
-            </a:fontRef>
-          </p:style>
-          <p:txBody>
-            <a:bodyPr spcFirstLastPara="0" vert="horz" wrap="square" lIns="53340" tIns="53340" rIns="53340" bIns="53340" numCol="1" spcCol="1270" anchor="ctr" anchorCtr="0">
-              <a:noAutofit/>
-            </a:bodyPr>
-            <a:lstStyle/>
-            <a:p>
-              <a:pPr marL="0" lvl="0" indent="0" algn="l" defTabSz="622300">
-                <a:lnSpc>
-                  <a:spcPct val="90000"/>
-                </a:lnSpc>
-                <a:spcBef>
-                  <a:spcPct val="0"/>
-                </a:spcBef>
-                <a:spcAft>
-                  <a:spcPct val="35000"/>
-                </a:spcAft>
-                <a:buNone/>
-              </a:pPr>
-              <a:r>
-                <a:rPr lang="en-US" sz="1400" b="1" i="0" kern="1200" dirty="0"/>
-                <a:t>Area</a:t>
-              </a:r>
-              <a:endParaRPr lang="en-US" sz="1000" kern="1200" dirty="0"/>
-            </a:p>
-          </p:txBody>
-        </p:sp>
-      </p:grpSp>
-      <p:sp>
-        <p:nvSpPr>
-          <p:cNvPr id="3" name="Hình chữ nhật: Góc Tròn 2">
-            <a:extLst>
-              <a:ext uri="{FF2B5EF4-FFF2-40B4-BE49-F238E27FC236}">
-                <a16:creationId xmlns:a16="http://schemas.microsoft.com/office/drawing/2014/main" id="{234D6091-DE32-BDC5-3629-E6F10C51C244}"/>
-              </a:ext>
-            </a:extLst>
-          </p:cNvPr>
-          <p:cNvSpPr/>
-          <p:nvPr/>
-        </p:nvSpPr>
-        <p:spPr>
-          <a:xfrm>
-            <a:off x="3331572" y="2062346"/>
-            <a:ext cx="2480855" cy="4554855"/>
-          </a:xfrm>
-          <a:prstGeom prst="roundRect">
-            <a:avLst/>
-          </a:prstGeom>
-          <a:noFill/>
-        </p:spPr>
-        <p:style>
-          <a:lnRef idx="1">
-            <a:schemeClr val="accent1"/>
-          </a:lnRef>
-          <a:fillRef idx="3">
-            <a:schemeClr val="accent1"/>
-          </a:fillRef>
-          <a:effectRef idx="2">
-            <a:schemeClr val="accent1"/>
-          </a:effectRef>
-          <a:fontRef idx="minor">
-            <a:schemeClr val="lt1"/>
-          </a:fontRef>
-        </p:style>
-        <p:txBody>
-          <a:bodyPr rtlCol="0" anchor="t" anchorCtr="0"/>
-          <a:lstStyle/>
-          <a:p>
-            <a:r>
-              <a:rPr lang="en-US" sz="1400" b="1" i="0" dirty="0">
-                <a:solidFill>
-                  <a:schemeClr val="tx1"/>
-                </a:solidFill>
-                <a:effectLst/>
-              </a:rPr>
-              <a:t>City:</a:t>
-            </a:r>
-          </a:p>
-          <a:p>
-            <a:endParaRPr lang="en-US" sz="1400" b="1" i="0" dirty="0">
-              <a:solidFill>
-                <a:schemeClr val="tx1"/>
-              </a:solidFill>
-              <a:effectLst/>
-            </a:endParaRPr>
-          </a:p>
-          <a:p>
-            <a:pPr marL="171450" indent="-171450">
-              <a:buFont typeface="Arial" panose="020B0604020202020204" pitchFamily="34" charset="0"/>
-              <a:buChar char="•"/>
-            </a:pPr>
-            <a:r>
-              <a:rPr lang="en-US" sz="1200" i="0" dirty="0">
-                <a:solidFill>
-                  <a:schemeClr val="tx1"/>
-                </a:solidFill>
-                <a:effectLst/>
-              </a:rPr>
-              <a:t>Deploy more resources to Semi-Urban areas to improve delivery speed, as these regions show longer delivery times.</a:t>
-            </a:r>
-          </a:p>
-        </p:txBody>
-      </p:sp>
-    </p:spTree>
-    <p:extLst>
-      <p:ext uri="{BB962C8B-B14F-4D97-AF65-F5344CB8AC3E}">
-        <p14:creationId xmlns:p14="http://schemas.microsoft.com/office/powerpoint/2010/main" val="660111901"/>
       </p:ext>
     </p:extLst>
   </p:cSld>
@@ -24133,7 +23769,7 @@
               </a:defRPr>
             </a:pPr>
             <a:r>
-              <a:rPr lang="en-US" sz="1700" b="0" i="0">
+              <a:rPr lang="en-US" sz="1700" b="0" i="0" dirty="0">
                 <a:effectLst/>
               </a:rPr>
               <a:t>Evaluate key factors affecting delivery time and customer experience in Zomato’s delivery operations. </a:t>
@@ -24152,7 +23788,7 @@
               </a:defRPr>
             </a:pPr>
             <a:r>
-              <a:rPr lang="en-US" sz="1700" b="0" i="0">
+              <a:rPr lang="en-US" sz="1700" b="0" i="0" dirty="0">
                 <a:effectLst/>
               </a:rPr>
               <a:t>By applying data analytics and predictive modeling, the project seeks to understand how internal and external variables (e.g., traffic, vehicle condition, delivery personnel rating) influence delivery outcomes. </a:t>
@@ -24171,12 +23807,12 @@
               </a:defRPr>
             </a:pPr>
             <a:r>
-              <a:rPr lang="en-US" sz="1700" b="0" i="0">
+              <a:rPr lang="en-US" sz="1700" b="0" i="0" dirty="0">
                 <a:effectLst/>
               </a:rPr>
               <a:t>The insights will help inform operational decisions and improve efficiency.</a:t>
             </a:r>
-            <a:endParaRPr lang="en-US" sz="1700"/>
+            <a:endParaRPr lang="en-US" sz="1700" dirty="0"/>
           </a:p>
         </p:txBody>
       </p:sp>
@@ -26856,8 +26492,8 @@
         </p:blipFill>
         <p:spPr bwMode="auto">
           <a:xfrm>
-            <a:off x="-1" y="1725036"/>
-            <a:ext cx="4572001" cy="3987506"/>
+            <a:off x="-1" y="1724054"/>
+            <a:ext cx="4572001" cy="3988487"/>
           </a:xfrm>
           <a:prstGeom prst="rect">
             <a:avLst/>
@@ -26950,8 +26586,8 @@
         </p:blipFill>
         <p:spPr bwMode="auto">
           <a:xfrm>
-            <a:off x="4572001" y="1725036"/>
-            <a:ext cx="4572000" cy="3987506"/>
+            <a:off x="4572001" y="1724054"/>
+            <a:ext cx="4572000" cy="3988488"/>
           </a:xfrm>
           <a:prstGeom prst="rect">
             <a:avLst/>
